--- a/slide-deck.pptx
+++ b/slide-deck.pptx
@@ -11,7 +11,7 @@
     <p:sldId id="265" r:id="rId2"/>
     <p:sldId id="268" r:id="rId3"/>
     <p:sldId id="270" r:id="rId4"/>
-    <p:sldId id="271" r:id="rId5"/>
+    <p:sldId id="278" r:id="rId5"/>
     <p:sldId id="272" r:id="rId6"/>
     <p:sldId id="273" r:id="rId7"/>
     <p:sldId id="275" r:id="rId8"/>
@@ -126,7 +126,7 @@
 <file path=ppt/revisionInfo.xml><?xml version="1.0" encoding="utf-8"?>
 <p1510:revInfo xmlns:a="http://schemas.openxmlformats.org/drawingml/2006/main" xmlns:r="http://schemas.openxmlformats.org/officeDocument/2006/relationships" xmlns:p1510="http://schemas.microsoft.com/office/powerpoint/2015/10/main">
   <p1510:revLst>
-    <p1510:client id="{33B8D583-0499-42A2-82A3-3885EDF220E9}" v="18" dt="2020-09-01T01:39:20.830"/>
+    <p1510:client id="{33B8D583-0499-42A2-82A3-3885EDF220E9}" v="20" dt="2020-09-03T01:56:25.888"/>
   </p1510:revLst>
 </p1510:revInfo>
 </file>
@@ -136,7 +136,7 @@
   <pc:docChgLst>
     <pc:chgData name="Shao Yee Ng" userId="0aa19361c50ab943" providerId="LiveId" clId="{33B8D583-0499-42A2-82A3-3885EDF220E9}"/>
     <pc:docChg chg="custSel mod addSld delSld modSld">
-      <pc:chgData name="Shao Yee Ng" userId="0aa19361c50ab943" providerId="LiveId" clId="{33B8D583-0499-42A2-82A3-3885EDF220E9}" dt="2020-09-01T10:59:56.979" v="5513" actId="20577"/>
+      <pc:chgData name="Shao Yee Ng" userId="0aa19361c50ab943" providerId="LiveId" clId="{33B8D583-0499-42A2-82A3-3885EDF220E9}" dt="2020-09-03T01:56:40.308" v="5531" actId="47"/>
       <pc:docMkLst>
         <pc:docMk/>
       </pc:docMkLst>
@@ -220,7 +220,7 @@
         </pc:sldMkLst>
       </pc:sldChg>
       <pc:sldChg chg="modSp new mod modNotesTx">
-        <pc:chgData name="Shao Yee Ng" userId="0aa19361c50ab943" providerId="LiveId" clId="{33B8D583-0499-42A2-82A3-3885EDF220E9}" dt="2020-09-01T10:59:56.979" v="5513" actId="20577"/>
+        <pc:chgData name="Shao Yee Ng" userId="0aa19361c50ab943" providerId="LiveId" clId="{33B8D583-0499-42A2-82A3-3885EDF220E9}" dt="2020-09-03T01:26:29.894" v="5514" actId="20577"/>
         <pc:sldMkLst>
           <pc:docMk/>
           <pc:sldMk cId="3170187823" sldId="265"/>
@@ -257,7 +257,7 @@
         </pc:sldMkLst>
       </pc:sldChg>
       <pc:sldChg chg="addSp delSp modSp new mod setBg modNotesTx">
-        <pc:chgData name="Shao Yee Ng" userId="0aa19361c50ab943" providerId="LiveId" clId="{33B8D583-0499-42A2-82A3-3885EDF220E9}" dt="2020-09-01T02:15:53.318" v="2447" actId="20577"/>
+        <pc:chgData name="Shao Yee Ng" userId="0aa19361c50ab943" providerId="LiveId" clId="{33B8D583-0499-42A2-82A3-3885EDF220E9}" dt="2020-09-03T01:26:32.291" v="5515" actId="20577"/>
         <pc:sldMkLst>
           <pc:docMk/>
           <pc:sldMk cId="3911061869" sldId="268"/>
@@ -415,7 +415,7 @@
         </pc:picChg>
       </pc:sldChg>
       <pc:sldChg chg="addSp delSp modSp add mod setBg modNotesTx">
-        <pc:chgData name="Shao Yee Ng" userId="0aa19361c50ab943" providerId="LiveId" clId="{33B8D583-0499-42A2-82A3-3885EDF220E9}" dt="2020-09-01T02:16:37.709" v="2565" actId="20577"/>
+        <pc:chgData name="Shao Yee Ng" userId="0aa19361c50ab943" providerId="LiveId" clId="{33B8D583-0499-42A2-82A3-3885EDF220E9}" dt="2020-09-03T01:26:34.678" v="5516" actId="20577"/>
         <pc:sldMkLst>
           <pc:docMk/>
           <pc:sldMk cId="2086469871" sldId="270"/>
@@ -525,8 +525,8 @@
           </ac:picMkLst>
         </pc:picChg>
       </pc:sldChg>
-      <pc:sldChg chg="addSp delSp modSp add mod setBg setClrOvrMap modNotesTx">
-        <pc:chgData name="Shao Yee Ng" userId="0aa19361c50ab943" providerId="LiveId" clId="{33B8D583-0499-42A2-82A3-3885EDF220E9}" dt="2020-09-01T02:18:58.542" v="2830" actId="20577"/>
+      <pc:sldChg chg="addSp delSp modSp add del mod setBg setClrOvrMap modNotesTx">
+        <pc:chgData name="Shao Yee Ng" userId="0aa19361c50ab943" providerId="LiveId" clId="{33B8D583-0499-42A2-82A3-3885EDF220E9}" dt="2020-09-03T01:56:40.308" v="5531" actId="47"/>
         <pc:sldMkLst>
           <pc:docMk/>
           <pc:sldMk cId="373770894" sldId="271"/>
@@ -725,7 +725,7 @@
         </pc:picChg>
       </pc:sldChg>
       <pc:sldChg chg="addSp delSp modSp add mod setBg modNotesTx">
-        <pc:chgData name="Shao Yee Ng" userId="0aa19361c50ab943" providerId="LiveId" clId="{33B8D583-0499-42A2-82A3-3885EDF220E9}" dt="2020-09-01T02:20:04.157" v="3033" actId="20577"/>
+        <pc:chgData name="Shao Yee Ng" userId="0aa19361c50ab943" providerId="LiveId" clId="{33B8D583-0499-42A2-82A3-3885EDF220E9}" dt="2020-09-03T01:26:42.583" v="5520" actId="20577"/>
         <pc:sldMkLst>
           <pc:docMk/>
           <pc:sldMk cId="660572331" sldId="272"/>
@@ -836,7 +836,7 @@
         </pc:picChg>
       </pc:sldChg>
       <pc:sldChg chg="addSp delSp modSp add mod setBg modNotesTx">
-        <pc:chgData name="Shao Yee Ng" userId="0aa19361c50ab943" providerId="LiveId" clId="{33B8D583-0499-42A2-82A3-3885EDF220E9}" dt="2020-09-01T02:22:12.109" v="3323" actId="20577"/>
+        <pc:chgData name="Shao Yee Ng" userId="0aa19361c50ab943" providerId="LiveId" clId="{33B8D583-0499-42A2-82A3-3885EDF220E9}" dt="2020-09-03T01:26:40.820" v="5519" actId="20577"/>
         <pc:sldMkLst>
           <pc:docMk/>
           <pc:sldMk cId="1486536730" sldId="273"/>
@@ -954,7 +954,7 @@
         </pc:sldMkLst>
       </pc:sldChg>
       <pc:sldChg chg="addSp delSp modSp new mod setBg setClrOvrMap modNotesTx">
-        <pc:chgData name="Shao Yee Ng" userId="0aa19361c50ab943" providerId="LiveId" clId="{33B8D583-0499-42A2-82A3-3885EDF220E9}" dt="2020-09-01T02:26:38.685" v="4095" actId="20577"/>
+        <pc:chgData name="Shao Yee Ng" userId="0aa19361c50ab943" providerId="LiveId" clId="{33B8D583-0499-42A2-82A3-3885EDF220E9}" dt="2020-09-03T01:26:45.705" v="5521" actId="20577"/>
         <pc:sldMkLst>
           <pc:docMk/>
           <pc:sldMk cId="600629931" sldId="275"/>
@@ -1065,7 +1065,7 @@
         </pc:picChg>
       </pc:sldChg>
       <pc:sldChg chg="addSp delSp modSp new mod setBg setClrOvrMap modNotesTx">
-        <pc:chgData name="Shao Yee Ng" userId="0aa19361c50ab943" providerId="LiveId" clId="{33B8D583-0499-42A2-82A3-3885EDF220E9}" dt="2020-09-01T02:32:38.549" v="5223" actId="20577"/>
+        <pc:chgData name="Shao Yee Ng" userId="0aa19361c50ab943" providerId="LiveId" clId="{33B8D583-0499-42A2-82A3-3885EDF220E9}" dt="2020-09-03T01:26:47.910" v="5522" actId="20577"/>
         <pc:sldMkLst>
           <pc:docMk/>
           <pc:sldMk cId="4080437735" sldId="276"/>
@@ -1175,8 +1175,8 @@
           </ac:picMkLst>
         </pc:picChg>
       </pc:sldChg>
-      <pc:sldChg chg="addSp modSp new mod setBg">
-        <pc:chgData name="Shao Yee Ng" userId="0aa19361c50ab943" providerId="LiveId" clId="{33B8D583-0499-42A2-82A3-3885EDF220E9}" dt="2020-09-01T01:52:14.785" v="359" actId="26606"/>
+      <pc:sldChg chg="addSp modSp new mod setBg modNotesTx">
+        <pc:chgData name="Shao Yee Ng" userId="0aa19361c50ab943" providerId="LiveId" clId="{33B8D583-0499-42A2-82A3-3885EDF220E9}" dt="2020-09-03T01:26:50.387" v="5523" actId="20577"/>
         <pc:sldMkLst>
           <pc:docMk/>
           <pc:sldMk cId="1516643785" sldId="277"/>
@@ -1275,6 +1275,133 @@
             <pc:docMk/>
             <pc:sldMk cId="1516643785" sldId="277"/>
             <ac:picMk id="16" creationId="{6AC7D913-60B7-4603-881B-831DA5D3A940}"/>
+          </ac:picMkLst>
+        </pc:picChg>
+      </pc:sldChg>
+      <pc:sldChg chg="addSp delSp modSp new mod setBg">
+        <pc:chgData name="Shao Yee Ng" userId="0aa19361c50ab943" providerId="LiveId" clId="{33B8D583-0499-42A2-82A3-3885EDF220E9}" dt="2020-09-03T01:56:34.955" v="5530" actId="26606"/>
+        <pc:sldMkLst>
+          <pc:docMk/>
+          <pc:sldMk cId="3385100242" sldId="278"/>
+        </pc:sldMkLst>
+        <pc:spChg chg="mod">
+          <ac:chgData name="Shao Yee Ng" userId="0aa19361c50ab943" providerId="LiveId" clId="{33B8D583-0499-42A2-82A3-3885EDF220E9}" dt="2020-09-03T01:56:34.955" v="5530" actId="26606"/>
+          <ac:spMkLst>
+            <pc:docMk/>
+            <pc:sldMk cId="3385100242" sldId="278"/>
+            <ac:spMk id="2" creationId="{CCC9FFEB-E389-4C82-820C-AF3F8032168F}"/>
+          </ac:spMkLst>
+        </pc:spChg>
+        <pc:spChg chg="del">
+          <ac:chgData name="Shao Yee Ng" userId="0aa19361c50ab943" providerId="LiveId" clId="{33B8D583-0499-42A2-82A3-3885EDF220E9}" dt="2020-09-03T01:54:42.364" v="5526"/>
+          <ac:spMkLst>
+            <pc:docMk/>
+            <pc:sldMk cId="3385100242" sldId="278"/>
+            <ac:spMk id="3" creationId="{388E6C62-0A01-4EF7-B22B-5AE1E4AAEFAE}"/>
+          </ac:spMkLst>
+        </pc:spChg>
+        <pc:spChg chg="del">
+          <ac:chgData name="Shao Yee Ng" userId="0aa19361c50ab943" providerId="LiveId" clId="{33B8D583-0499-42A2-82A3-3885EDF220E9}" dt="2020-09-03T01:56:25.888" v="5529"/>
+          <ac:spMkLst>
+            <pc:docMk/>
+            <pc:sldMk cId="3385100242" sldId="278"/>
+            <ac:spMk id="4" creationId="{A22C67BE-1D60-4A82-836F-BF43524C520C}"/>
+          </ac:spMkLst>
+        </pc:spChg>
+        <pc:spChg chg="add">
+          <ac:chgData name="Shao Yee Ng" userId="0aa19361c50ab943" providerId="LiveId" clId="{33B8D583-0499-42A2-82A3-3885EDF220E9}" dt="2020-09-03T01:56:34.955" v="5530" actId="26606"/>
+          <ac:spMkLst>
+            <pc:docMk/>
+            <pc:sldMk cId="3385100242" sldId="278"/>
+            <ac:spMk id="16" creationId="{D42CF425-7213-4F89-B0FF-4C2BDDD9C680}"/>
+          </ac:spMkLst>
+        </pc:spChg>
+        <pc:spChg chg="add">
+          <ac:chgData name="Shao Yee Ng" userId="0aa19361c50ab943" providerId="LiveId" clId="{33B8D583-0499-42A2-82A3-3885EDF220E9}" dt="2020-09-03T01:56:34.955" v="5530" actId="26606"/>
+          <ac:spMkLst>
+            <pc:docMk/>
+            <pc:sldMk cId="3385100242" sldId="278"/>
+            <ac:spMk id="22" creationId="{202A25CB-1ED1-4C87-AB49-8D3BC684D1CE}"/>
+          </ac:spMkLst>
+        </pc:spChg>
+        <pc:spChg chg="add">
+          <ac:chgData name="Shao Yee Ng" userId="0aa19361c50ab943" providerId="LiveId" clId="{33B8D583-0499-42A2-82A3-3885EDF220E9}" dt="2020-09-03T01:56:34.955" v="5530" actId="26606"/>
+          <ac:spMkLst>
+            <pc:docMk/>
+            <pc:sldMk cId="3385100242" sldId="278"/>
+            <ac:spMk id="24" creationId="{505C8452-4C3F-46C5-AFD4-322854BC4176}"/>
+          </ac:spMkLst>
+        </pc:spChg>
+        <pc:spChg chg="add">
+          <ac:chgData name="Shao Yee Ng" userId="0aa19361c50ab943" providerId="LiveId" clId="{33B8D583-0499-42A2-82A3-3885EDF220E9}" dt="2020-09-03T01:56:34.955" v="5530" actId="26606"/>
+          <ac:spMkLst>
+            <pc:docMk/>
+            <pc:sldMk cId="3385100242" sldId="278"/>
+            <ac:spMk id="26" creationId="{9B06DBD9-DED6-40C2-A7AD-3662707C4145}"/>
+          </ac:spMkLst>
+        </pc:spChg>
+        <pc:spChg chg="add">
+          <ac:chgData name="Shao Yee Ng" userId="0aa19361c50ab943" providerId="LiveId" clId="{33B8D583-0499-42A2-82A3-3885EDF220E9}" dt="2020-09-03T01:56:34.955" v="5530" actId="26606"/>
+          <ac:spMkLst>
+            <pc:docMk/>
+            <pc:sldMk cId="3385100242" sldId="278"/>
+            <ac:spMk id="28" creationId="{B431FF8B-6FC2-47C1-B2C5-9B26E62436B0}"/>
+          </ac:spMkLst>
+        </pc:spChg>
+        <pc:spChg chg="add">
+          <ac:chgData name="Shao Yee Ng" userId="0aa19361c50ab943" providerId="LiveId" clId="{33B8D583-0499-42A2-82A3-3885EDF220E9}" dt="2020-09-03T01:56:34.955" v="5530" actId="26606"/>
+          <ac:spMkLst>
+            <pc:docMk/>
+            <pc:sldMk cId="3385100242" sldId="278"/>
+            <ac:spMk id="30" creationId="{4BA7EBCC-256E-4075-A58C-6ED2BFD5C99E}"/>
+          </ac:spMkLst>
+        </pc:spChg>
+        <pc:picChg chg="add mod">
+          <ac:chgData name="Shao Yee Ng" userId="0aa19361c50ab943" providerId="LiveId" clId="{33B8D583-0499-42A2-82A3-3885EDF220E9}" dt="2020-09-03T01:56:34.955" v="5530" actId="26606"/>
+          <ac:picMkLst>
+            <pc:docMk/>
+            <pc:sldMk cId="3385100242" sldId="278"/>
+            <ac:picMk id="6" creationId="{DC0AE682-83B1-40AA-80A5-B84FAAFBB710}"/>
+          </ac:picMkLst>
+        </pc:picChg>
+        <pc:picChg chg="add mod ord">
+          <ac:chgData name="Shao Yee Ng" userId="0aa19361c50ab943" providerId="LiveId" clId="{33B8D583-0499-42A2-82A3-3885EDF220E9}" dt="2020-09-03T01:56:34.955" v="5530" actId="26606"/>
+          <ac:picMkLst>
+            <pc:docMk/>
+            <pc:sldMk cId="3385100242" sldId="278"/>
+            <ac:picMk id="7" creationId="{3508A1EB-39ED-4697-8478-6BBA6BAFF4F0}"/>
+          </ac:picMkLst>
+        </pc:picChg>
+        <pc:picChg chg="add">
+          <ac:chgData name="Shao Yee Ng" userId="0aa19361c50ab943" providerId="LiveId" clId="{33B8D583-0499-42A2-82A3-3885EDF220E9}" dt="2020-09-03T01:56:34.955" v="5530" actId="26606"/>
+          <ac:picMkLst>
+            <pc:docMk/>
+            <pc:sldMk cId="3385100242" sldId="278"/>
+            <ac:picMk id="12" creationId="{412E3267-7ABE-412B-8580-47EC0D1F61FE}"/>
+          </ac:picMkLst>
+        </pc:picChg>
+        <pc:picChg chg="add">
+          <ac:chgData name="Shao Yee Ng" userId="0aa19361c50ab943" providerId="LiveId" clId="{33B8D583-0499-42A2-82A3-3885EDF220E9}" dt="2020-09-03T01:56:34.955" v="5530" actId="26606"/>
+          <ac:picMkLst>
+            <pc:docMk/>
+            <pc:sldMk cId="3385100242" sldId="278"/>
+            <ac:picMk id="14" creationId="{20B62C5A-2250-4380-AB23-DB87446CCED0}"/>
+          </ac:picMkLst>
+        </pc:picChg>
+        <pc:picChg chg="add">
+          <ac:chgData name="Shao Yee Ng" userId="0aa19361c50ab943" providerId="LiveId" clId="{33B8D583-0499-42A2-82A3-3885EDF220E9}" dt="2020-09-03T01:56:34.955" v="5530" actId="26606"/>
+          <ac:picMkLst>
+            <pc:docMk/>
+            <pc:sldMk cId="3385100242" sldId="278"/>
+            <ac:picMk id="18" creationId="{D35DA97D-88F8-4249-B650-4FC9FD50A382}"/>
+          </ac:picMkLst>
+        </pc:picChg>
+        <pc:picChg chg="add">
+          <ac:chgData name="Shao Yee Ng" userId="0aa19361c50ab943" providerId="LiveId" clId="{33B8D583-0499-42A2-82A3-3885EDF220E9}" dt="2020-09-03T01:56:34.955" v="5530" actId="26606"/>
+          <ac:picMkLst>
+            <pc:docMk/>
+            <pc:sldMk cId="3385100242" sldId="278"/>
+            <ac:picMk id="20" creationId="{43F38673-6E30-4BAE-AC67-0B283EBF4291}"/>
           </ac:picMkLst>
         </pc:picChg>
       </pc:sldChg>
@@ -5408,7 +5535,7 @@
           <a:p>
             <a:fld id="{AA61A8BD-CE27-4C5B-933E-C73FA749518E}" type="datetimeFigureOut">
               <a:rPr lang="en-AU" smtClean="0"/>
-              <a:t>1/09/2020</a:t>
+              <a:t>3/09/2020</a:t>
             </a:fld>
             <a:endParaRPr lang="en-AU"/>
           </a:p>
@@ -5720,18 +5847,7 @@
           <a:bodyPr/>
           <a:lstStyle/>
           <a:p>
-            <a:r>
-              <a:rPr lang="en-AU" dirty="0"/>
-              <a:t>Hi guys, I’m Yee. Welcome to my portfolio website presentation. In this presentation, I’m going to show you my </a:t>
-            </a:r>
-            <a:r>
-              <a:rPr lang="en-AU"/>
-              <a:t>progress on </a:t>
-            </a:r>
-            <a:r>
-              <a:rPr lang="en-AU" dirty="0"/>
-              <a:t>creating my portfolio website from scratch using HTML and CSS.</a:t>
-            </a:r>
+            <a:endParaRPr lang="en-AU" dirty="0"/>
           </a:p>
         </p:txBody>
       </p:sp>
@@ -5815,10 +5931,7 @@
           <a:bodyPr/>
           <a:lstStyle/>
           <a:p>
-            <a:r>
-              <a:rPr lang="en-AU" dirty="0"/>
-              <a:t>The first thing I did was design the structure and layout of the website using Balsamiq Wireframes.  In the next few slides, I’ll show you the different wireframes I created for the site. The wireframe you see on the left here is the homepage and it’s the parent of all the other pages on the site. It has a greeting, a photo and a short bio. I would like to take your attention to the navigation menu on top of the page. It’s a main component of the site as it helps users navigate to where they want to go on the site. This navigation menu or navigation bar is on all pages of the site. On the right hand side is the “About Me” page, originally, I planned to have another navigation bar for different HTML pages such as a separate page for education, a separate page for work experience and so on. But then when I was developing the website, I thought it would be a better idea to combine all these into one page so the page is cleaner with only one navigation bar. And that’s what I did with the actual website.</a:t>
-            </a:r>
+            <a:endParaRPr lang="en-AU" dirty="0"/>
           </a:p>
         </p:txBody>
       </p:sp>
@@ -5902,10 +6015,7 @@
           <a:bodyPr/>
           <a:lstStyle/>
           <a:p>
-            <a:r>
-              <a:rPr lang="en-AU" dirty="0"/>
-              <a:t>Here’s what the pages were going to look like if they were separate pages but I have combined them into one page.</a:t>
-            </a:r>
+            <a:endParaRPr lang="en-AU" dirty="0"/>
           </a:p>
         </p:txBody>
       </p:sp>
@@ -5989,10 +6099,7 @@
           <a:bodyPr/>
           <a:lstStyle/>
           <a:p>
-            <a:r>
-              <a:rPr lang="en-AU" dirty="0"/>
-              <a:t>This is the design for my “Skills” page. These blank boxes are icons for respective programming languages.</a:t>
-            </a:r>
+            <a:endParaRPr lang="en-AU" dirty="0"/>
           </a:p>
         </p:txBody>
       </p:sp>
@@ -6013,7 +6120,7 @@
           <a:p>
             <a:fld id="{1782B208-7C8C-4F60-AF6E-3A353C16FED7}" type="slidenum">
               <a:rPr lang="en-AU" smtClean="0"/>
-              <a:t>4</a:t>
+              <a:t>5</a:t>
             </a:fld>
             <a:endParaRPr lang="en-AU"/>
           </a:p>
@@ -6022,7 +6129,7 @@
     </p:spTree>
     <p:extLst>
       <p:ext uri="{BB962C8B-B14F-4D97-AF65-F5344CB8AC3E}">
-        <p14:creationId xmlns:p14="http://schemas.microsoft.com/office/powerpoint/2010/main" val="1878019791"/>
+        <p14:creationId xmlns:p14="http://schemas.microsoft.com/office/powerpoint/2010/main" val="62744605"/>
       </p:ext>
     </p:extLst>
   </p:cSld>
@@ -6076,10 +6183,7 @@
           <a:bodyPr/>
           <a:lstStyle/>
           <a:p>
-            <a:r>
-              <a:rPr lang="en-AU" dirty="0"/>
-              <a:t>These are the “Projects” and “Contact Me” HTML. With the social media icons, clicking or tapping the icon with bring the user to my social media account.</a:t>
-            </a:r>
+            <a:endParaRPr lang="en-AU" dirty="0"/>
           </a:p>
         </p:txBody>
       </p:sp>
@@ -6100,7 +6204,7 @@
           <a:p>
             <a:fld id="{1782B208-7C8C-4F60-AF6E-3A353C16FED7}" type="slidenum">
               <a:rPr lang="en-AU" smtClean="0"/>
-              <a:t>5</a:t>
+              <a:t>6</a:t>
             </a:fld>
             <a:endParaRPr lang="en-AU"/>
           </a:p>
@@ -6109,7 +6213,7 @@
     </p:spTree>
     <p:extLst>
       <p:ext uri="{BB962C8B-B14F-4D97-AF65-F5344CB8AC3E}">
-        <p14:creationId xmlns:p14="http://schemas.microsoft.com/office/powerpoint/2010/main" val="62744605"/>
+        <p14:creationId xmlns:p14="http://schemas.microsoft.com/office/powerpoint/2010/main" val="2806640146"/>
       </p:ext>
     </p:extLst>
   </p:cSld>
@@ -6163,10 +6267,7 @@
           <a:bodyPr/>
           <a:lstStyle/>
           <a:p>
-            <a:r>
-              <a:rPr lang="en-AU" dirty="0"/>
-              <a:t>And these are pages for my blog, the right wireframe has a list of links to my blog post with publish date. Clicking the link will bring the user to the blog post they want to read. And this is my blog post page.</a:t>
-            </a:r>
+            <a:endParaRPr lang="en-AU" dirty="0"/>
           </a:p>
         </p:txBody>
       </p:sp>
@@ -6187,7 +6288,7 @@
           <a:p>
             <a:fld id="{1782B208-7C8C-4F60-AF6E-3A353C16FED7}" type="slidenum">
               <a:rPr lang="en-AU" smtClean="0"/>
-              <a:t>6</a:t>
+              <a:t>7</a:t>
             </a:fld>
             <a:endParaRPr lang="en-AU"/>
           </a:p>
@@ -6196,7 +6297,7 @@
     </p:spTree>
     <p:extLst>
       <p:ext uri="{BB962C8B-B14F-4D97-AF65-F5344CB8AC3E}">
-        <p14:creationId xmlns:p14="http://schemas.microsoft.com/office/powerpoint/2010/main" val="2806640146"/>
+        <p14:creationId xmlns:p14="http://schemas.microsoft.com/office/powerpoint/2010/main" val="2628624113"/>
       </p:ext>
     </p:extLst>
   </p:cSld>
@@ -6250,10 +6351,7 @@
           <a:bodyPr/>
           <a:lstStyle/>
           <a:p>
-            <a:r>
-              <a:rPr lang="en-AU" dirty="0"/>
-              <a:t>This is the sitemap of the website showing the overall structure of the website. The home page is the parent page or grandparent page to all the other pages. A user can find information about me in the about me page and the blog link is the parent to all the blog posts. I forgot to mention that I have also decided to add another link to the navigation menu named “Technical Skills”. The reason I did this was because I think technical skills is very important consideration for prospective employers and having a separate page just for this would be quite handy.</a:t>
-            </a:r>
+            <a:endParaRPr lang="en-AU" dirty="0"/>
           </a:p>
         </p:txBody>
       </p:sp>
@@ -6274,7 +6372,7 @@
           <a:p>
             <a:fld id="{1782B208-7C8C-4F60-AF6E-3A353C16FED7}" type="slidenum">
               <a:rPr lang="en-AU" smtClean="0"/>
-              <a:t>7</a:t>
+              <a:t>8</a:t>
             </a:fld>
             <a:endParaRPr lang="en-AU"/>
           </a:p>
@@ -6283,7 +6381,7 @@
     </p:spTree>
     <p:extLst>
       <p:ext uri="{BB962C8B-B14F-4D97-AF65-F5344CB8AC3E}">
-        <p14:creationId xmlns:p14="http://schemas.microsoft.com/office/powerpoint/2010/main" val="2628624113"/>
+        <p14:creationId xmlns:p14="http://schemas.microsoft.com/office/powerpoint/2010/main" val="3395284032"/>
       </p:ext>
     </p:extLst>
   </p:cSld>
@@ -6337,18 +6435,7 @@
           <a:bodyPr/>
           <a:lstStyle/>
           <a:p>
-            <a:r>
-              <a:rPr lang="en-AU" dirty="0"/>
-              <a:t>When I was developing the website, these are the components I spent the most time on to make the website user friendly and easy to navigate. The main component being the navigation menu with all the links to their respective page. I have also use big headings throughout the pages to highlight what each page is about to capture the users’ attention. Instead of using the browser default font type and font size, I have chosen a font that I think is quite easy to read and make the fonts bigger. To make the website prettier, I used images instead of plain text to showcase my skills. To ensure that the website displayed properly on different screen sizes, I also applied the responsive design concepts I learned such as using percentages to size image and flexbox to display the images. Last but not least, I have used semantic HTML to give meaning to the content of an element such as header, section, article, figure, </a:t>
-            </a:r>
-            <a:r>
-              <a:rPr lang="en-AU" dirty="0" err="1"/>
-              <a:t>figcaption</a:t>
-            </a:r>
-            <a:r>
-              <a:rPr lang="en-AU" dirty="0"/>
-              <a:t> and so on. Now let me give you guys a live demo of the website that I deployed using Netlify.</a:t>
-            </a:r>
+            <a:endParaRPr lang="en-AU" dirty="0"/>
           </a:p>
         </p:txBody>
       </p:sp>
@@ -6369,7 +6456,7 @@
           <a:p>
             <a:fld id="{1782B208-7C8C-4F60-AF6E-3A353C16FED7}" type="slidenum">
               <a:rPr lang="en-AU" smtClean="0"/>
-              <a:t>8</a:t>
+              <a:t>9</a:t>
             </a:fld>
             <a:endParaRPr lang="en-AU"/>
           </a:p>
@@ -6378,7 +6465,7 @@
     </p:spTree>
     <p:extLst>
       <p:ext uri="{BB962C8B-B14F-4D97-AF65-F5344CB8AC3E}">
-        <p14:creationId xmlns:p14="http://schemas.microsoft.com/office/powerpoint/2010/main" val="3395284032"/>
+        <p14:creationId xmlns:p14="http://schemas.microsoft.com/office/powerpoint/2010/main" val="1659690160"/>
       </p:ext>
     </p:extLst>
   </p:cSld>
@@ -6574,7 +6661,7 @@
           <a:p>
             <a:fld id="{47D67F38-3C91-48CD-95ED-6940BCBBD6AD}" type="datetimeFigureOut">
               <a:rPr lang="en-AU" smtClean="0"/>
-              <a:t>1/09/2020</a:t>
+              <a:t>3/09/2020</a:t>
             </a:fld>
             <a:endParaRPr lang="en-AU"/>
           </a:p>
@@ -6849,7 +6936,7 @@
           <a:p>
             <a:fld id="{47D67F38-3C91-48CD-95ED-6940BCBBD6AD}" type="datetimeFigureOut">
               <a:rPr lang="en-AU" smtClean="0"/>
-              <a:t>1/09/2020</a:t>
+              <a:t>3/09/2020</a:t>
             </a:fld>
             <a:endParaRPr lang="en-AU"/>
           </a:p>
@@ -7043,7 +7130,7 @@
           <a:p>
             <a:fld id="{47D67F38-3C91-48CD-95ED-6940BCBBD6AD}" type="datetimeFigureOut">
               <a:rPr lang="en-AU" smtClean="0"/>
-              <a:t>1/09/2020</a:t>
+              <a:t>3/09/2020</a:t>
             </a:fld>
             <a:endParaRPr lang="en-AU"/>
           </a:p>
@@ -7316,7 +7403,7 @@
           <a:p>
             <a:fld id="{47D67F38-3C91-48CD-95ED-6940BCBBD6AD}" type="datetimeFigureOut">
               <a:rPr lang="en-AU" smtClean="0"/>
-              <a:t>1/09/2020</a:t>
+              <a:t>3/09/2020</a:t>
             </a:fld>
             <a:endParaRPr lang="en-AU"/>
           </a:p>
@@ -7657,7 +7744,7 @@
           <a:p>
             <a:fld id="{47D67F38-3C91-48CD-95ED-6940BCBBD6AD}" type="datetimeFigureOut">
               <a:rPr lang="en-AU" smtClean="0"/>
-              <a:t>1/09/2020</a:t>
+              <a:t>3/09/2020</a:t>
             </a:fld>
             <a:endParaRPr lang="en-AU"/>
           </a:p>
@@ -8280,7 +8367,7 @@
           <a:p>
             <a:fld id="{47D67F38-3C91-48CD-95ED-6940BCBBD6AD}" type="datetimeFigureOut">
               <a:rPr lang="en-AU" smtClean="0"/>
-              <a:t>1/09/2020</a:t>
+              <a:t>3/09/2020</a:t>
             </a:fld>
             <a:endParaRPr lang="en-AU"/>
           </a:p>
@@ -9140,7 +9227,7 @@
           <a:p>
             <a:fld id="{47D67F38-3C91-48CD-95ED-6940BCBBD6AD}" type="datetimeFigureOut">
               <a:rPr lang="en-AU" smtClean="0"/>
-              <a:t>1/09/2020</a:t>
+              <a:t>3/09/2020</a:t>
             </a:fld>
             <a:endParaRPr lang="en-AU"/>
           </a:p>
@@ -9310,7 +9397,7 @@
           <a:p>
             <a:fld id="{47D67F38-3C91-48CD-95ED-6940BCBBD6AD}" type="datetimeFigureOut">
               <a:rPr lang="en-AU" smtClean="0"/>
-              <a:t>1/09/2020</a:t>
+              <a:t>3/09/2020</a:t>
             </a:fld>
             <a:endParaRPr lang="en-AU"/>
           </a:p>
@@ -9490,7 +9577,7 @@
           <a:p>
             <a:fld id="{47D67F38-3C91-48CD-95ED-6940BCBBD6AD}" type="datetimeFigureOut">
               <a:rPr lang="en-AU" smtClean="0"/>
-              <a:t>1/09/2020</a:t>
+              <a:t>3/09/2020</a:t>
             </a:fld>
             <a:endParaRPr lang="en-AU"/>
           </a:p>
@@ -9660,7 +9747,7 @@
           <a:p>
             <a:fld id="{47D67F38-3C91-48CD-95ED-6940BCBBD6AD}" type="datetimeFigureOut">
               <a:rPr lang="en-AU" smtClean="0"/>
-              <a:t>1/09/2020</a:t>
+              <a:t>3/09/2020</a:t>
             </a:fld>
             <a:endParaRPr lang="en-AU"/>
           </a:p>
@@ -9907,7 +9994,7 @@
           <a:p>
             <a:fld id="{47D67F38-3C91-48CD-95ED-6940BCBBD6AD}" type="datetimeFigureOut">
               <a:rPr lang="en-AU" smtClean="0"/>
-              <a:t>1/09/2020</a:t>
+              <a:t>3/09/2020</a:t>
             </a:fld>
             <a:endParaRPr lang="en-AU"/>
           </a:p>
@@ -10199,7 +10286,7 @@
           <a:p>
             <a:fld id="{47D67F38-3C91-48CD-95ED-6940BCBBD6AD}" type="datetimeFigureOut">
               <a:rPr lang="en-AU" smtClean="0"/>
-              <a:t>1/09/2020</a:t>
+              <a:t>3/09/2020</a:t>
             </a:fld>
             <a:endParaRPr lang="en-AU"/>
           </a:p>
@@ -10643,7 +10730,7 @@
           <a:p>
             <a:fld id="{47D67F38-3C91-48CD-95ED-6940BCBBD6AD}" type="datetimeFigureOut">
               <a:rPr lang="en-AU" smtClean="0"/>
-              <a:t>1/09/2020</a:t>
+              <a:t>3/09/2020</a:t>
             </a:fld>
             <a:endParaRPr lang="en-AU"/>
           </a:p>
@@ -10761,7 +10848,7 @@
           <a:p>
             <a:fld id="{47D67F38-3C91-48CD-95ED-6940BCBBD6AD}" type="datetimeFigureOut">
               <a:rPr lang="en-AU" smtClean="0"/>
-              <a:t>1/09/2020</a:t>
+              <a:t>3/09/2020</a:t>
             </a:fld>
             <a:endParaRPr lang="en-AU"/>
           </a:p>
@@ -10856,7 +10943,7 @@
           <a:p>
             <a:fld id="{47D67F38-3C91-48CD-95ED-6940BCBBD6AD}" type="datetimeFigureOut">
               <a:rPr lang="en-AU" smtClean="0"/>
-              <a:t>1/09/2020</a:t>
+              <a:t>3/09/2020</a:t>
             </a:fld>
             <a:endParaRPr lang="en-AU"/>
           </a:p>
@@ -11135,7 +11222,7 @@
           <a:p>
             <a:fld id="{47D67F38-3C91-48CD-95ED-6940BCBBD6AD}" type="datetimeFigureOut">
               <a:rPr lang="en-AU" smtClean="0"/>
-              <a:t>1/09/2020</a:t>
+              <a:t>3/09/2020</a:t>
             </a:fld>
             <a:endParaRPr lang="en-AU"/>
           </a:p>
@@ -11410,7 +11497,7 @@
           <a:p>
             <a:fld id="{47D67F38-3C91-48CD-95ED-6940BCBBD6AD}" type="datetimeFigureOut">
               <a:rPr lang="en-AU" smtClean="0"/>
-              <a:t>1/09/2020</a:t>
+              <a:t>3/09/2020</a:t>
             </a:fld>
             <a:endParaRPr lang="en-AU"/>
           </a:p>
@@ -11839,7 +11926,7 @@
           <a:p>
             <a:fld id="{47D67F38-3C91-48CD-95ED-6940BCBBD6AD}" type="datetimeFigureOut">
               <a:rPr lang="en-AU" smtClean="0"/>
-              <a:t>1/09/2020</a:t>
+              <a:t>3/09/2020</a:t>
             </a:fld>
             <a:endParaRPr lang="en-AU"/>
           </a:p>
@@ -15457,7 +15544,7 @@
           <a:lstStyle/>
           <a:p>
             <a:r>
-              <a:rPr lang="en-US" sz="4800">
+              <a:rPr lang="en-US" sz="4800" dirty="0">
                 <a:solidFill>
                   <a:srgbClr val="EBEBEB"/>
                 </a:solidFill>
@@ -15485,9 +15572,25 @@
   <p:cSld>
     <p:bg>
       <p:bgPr>
-        <a:solidFill>
-          <a:schemeClr val="bg1"/>
-        </a:solidFill>
+        <a:blipFill rotWithShape="1">
+          <a:blip r:embed="rId2">
+            <a:duotone>
+              <a:schemeClr val="bg2">
+                <a:shade val="69000"/>
+                <a:hueMod val="108000"/>
+                <a:satMod val="164000"/>
+                <a:lumMod val="74000"/>
+              </a:schemeClr>
+              <a:schemeClr val="bg2">
+                <a:tint val="96000"/>
+                <a:hueMod val="88000"/>
+                <a:satMod val="140000"/>
+                <a:lumMod val="132000"/>
+              </a:schemeClr>
+            </a:duotone>
+          </a:blip>
+          <a:stretch/>
+        </a:blipFill>
         <a:effectLst/>
       </p:bgPr>
     </p:bg>
@@ -15507,10 +15610,10 @@
       </p:grpSpPr>
       <p:pic>
         <p:nvPicPr>
-          <p:cNvPr id="32" name="Picture 31">
+          <p:cNvPr id="12" name="Picture 11">
             <a:extLst>
               <a:ext uri="{FF2B5EF4-FFF2-40B4-BE49-F238E27FC236}">
-                <a16:creationId xmlns:a16="http://schemas.microsoft.com/office/drawing/2014/main" id="{41B68C77-138E-4BF7-A276-BD0C78A4219F}"/>
+                <a16:creationId xmlns:a16="http://schemas.microsoft.com/office/drawing/2014/main" id="{412E3267-7ABE-412B-8580-47EC0D1F61FE}"/>
               </a:ext>
               <a:ext uri="{C183D7F6-B498-43B3-948B-1728B52AA6E4}">
                 <adec:decorative xmlns:adec="http://schemas.microsoft.com/office/drawing/2017/decorative" val="1"/>
@@ -15551,10 +15654,10 @@
       </p:pic>
       <p:pic>
         <p:nvPicPr>
-          <p:cNvPr id="34" name="Picture 33">
+          <p:cNvPr id="14" name="Picture 13">
             <a:extLst>
               <a:ext uri="{FF2B5EF4-FFF2-40B4-BE49-F238E27FC236}">
-                <a16:creationId xmlns:a16="http://schemas.microsoft.com/office/drawing/2014/main" id="{7C268552-D473-46ED-B1B8-422042C4DEF1}"/>
+                <a16:creationId xmlns:a16="http://schemas.microsoft.com/office/drawing/2014/main" id="{20B62C5A-2250-4380-AB23-DB87446CCED0}"/>
               </a:ext>
               <a:ext uri="{C183D7F6-B498-43B3-948B-1728B52AA6E4}">
                 <adec:decorative xmlns:adec="http://schemas.microsoft.com/office/drawing/2017/decorative" val="1"/>
@@ -15595,10 +15698,10 @@
       </p:pic>
       <p:sp>
         <p:nvSpPr>
-          <p:cNvPr id="36" name="Oval 35">
+          <p:cNvPr id="16" name="Oval 15">
             <a:extLst>
               <a:ext uri="{FF2B5EF4-FFF2-40B4-BE49-F238E27FC236}">
-                <a16:creationId xmlns:a16="http://schemas.microsoft.com/office/drawing/2014/main" id="{4AC0CD9D-7610-4620-93B4-798CCD9AB581}"/>
+                <a16:creationId xmlns:a16="http://schemas.microsoft.com/office/drawing/2014/main" id="{D42CF425-7213-4F89-B0FF-4C2BDDD9C680}"/>
               </a:ext>
               <a:ext uri="{C183D7F6-B498-43B3-948B-1728B52AA6E4}">
                 <adec:decorative xmlns:adec="http://schemas.microsoft.com/office/drawing/2017/decorative" val="1"/>
@@ -15675,10 +15778,10 @@
       </p:sp>
       <p:pic>
         <p:nvPicPr>
-          <p:cNvPr id="38" name="Picture 37">
+          <p:cNvPr id="18" name="Picture 17">
             <a:extLst>
               <a:ext uri="{FF2B5EF4-FFF2-40B4-BE49-F238E27FC236}">
-                <a16:creationId xmlns:a16="http://schemas.microsoft.com/office/drawing/2014/main" id="{B9238B3E-24AA-439A-B527-6C5DF6D72145}"/>
+                <a16:creationId xmlns:a16="http://schemas.microsoft.com/office/drawing/2014/main" id="{D35DA97D-88F8-4249-B650-4FC9FD50A382}"/>
               </a:ext>
               <a:ext uri="{C183D7F6-B498-43B3-948B-1728B52AA6E4}">
                 <adec:decorative xmlns:adec="http://schemas.microsoft.com/office/drawing/2017/decorative" val="1"/>
@@ -15719,10 +15822,10 @@
       </p:pic>
       <p:pic>
         <p:nvPicPr>
-          <p:cNvPr id="40" name="Picture 39">
+          <p:cNvPr id="20" name="Picture 19">
             <a:extLst>
               <a:ext uri="{FF2B5EF4-FFF2-40B4-BE49-F238E27FC236}">
-                <a16:creationId xmlns:a16="http://schemas.microsoft.com/office/drawing/2014/main" id="{69F01145-BEA3-4CBF-AA21-10077B948CA8}"/>
+                <a16:creationId xmlns:a16="http://schemas.microsoft.com/office/drawing/2014/main" id="{43F38673-6E30-4BAE-AC67-0B283EBF4291}"/>
               </a:ext>
               <a:ext uri="{C183D7F6-B498-43B3-948B-1728B52AA6E4}">
                 <adec:decorative xmlns:adec="http://schemas.microsoft.com/office/drawing/2017/decorative" val="1"/>
@@ -15763,10 +15866,10 @@
       </p:pic>
       <p:sp>
         <p:nvSpPr>
-          <p:cNvPr id="42" name="Rectangle 41">
+          <p:cNvPr id="22" name="Rectangle 21">
             <a:extLst>
               <a:ext uri="{FF2B5EF4-FFF2-40B4-BE49-F238E27FC236}">
-                <a16:creationId xmlns:a16="http://schemas.microsoft.com/office/drawing/2014/main" id="{DE4D62F9-188E-4530-84C2-24BDEE4BEB82}"/>
+                <a16:creationId xmlns:a16="http://schemas.microsoft.com/office/drawing/2014/main" id="{202A25CB-1ED1-4C87-AB49-8D3BC684D1CE}"/>
               </a:ext>
               <a:ext uri="{C183D7F6-B498-43B3-948B-1728B52AA6E4}">
                 <adec:decorative xmlns:adec="http://schemas.microsoft.com/office/drawing/2017/decorative" val="1"/>
@@ -15816,10 +15919,10 @@
       </p:sp>
       <p:sp>
         <p:nvSpPr>
-          <p:cNvPr id="44" name="Rectangle 43">
+          <p:cNvPr id="24" name="Rectangle 23">
             <a:extLst>
               <a:ext uri="{FF2B5EF4-FFF2-40B4-BE49-F238E27FC236}">
-                <a16:creationId xmlns:a16="http://schemas.microsoft.com/office/drawing/2014/main" id="{757B325C-3E35-45CF-9D07-3BCB281F3B9C}"/>
+                <a16:creationId xmlns:a16="http://schemas.microsoft.com/office/drawing/2014/main" id="{505C8452-4C3F-46C5-AFD4-322854BC4176}"/>
               </a:ext>
               <a:ext uri="{C183D7F6-B498-43B3-948B-1728B52AA6E4}">
                 <adec:decorative xmlns:adec="http://schemas.microsoft.com/office/drawing/2017/decorative" val="1"/>
@@ -15839,893 +15942,15 @@
         </p:nvSpPr>
         <p:spPr>
           <a:xfrm>
-            <a:off x="0" y="0"/>
-            <a:ext cx="12192000" cy="6858000"/>
+            <a:off x="0" y="-5"/>
+            <a:ext cx="12191695" cy="4730744"/>
           </a:xfrm>
           <a:prstGeom prst="rect">
             <a:avLst/>
           </a:prstGeom>
-          <a:ln>
-            <a:noFill/>
-          </a:ln>
-        </p:spPr>
-        <p:style>
-          <a:lnRef idx="2">
-            <a:schemeClr val="accent1">
-              <a:shade val="50000"/>
-            </a:schemeClr>
-          </a:lnRef>
-          <a:fillRef idx="1003">
-            <a:schemeClr val="dk2"/>
-          </a:fillRef>
-          <a:effectRef idx="0">
-            <a:schemeClr val="accent1"/>
-          </a:effectRef>
-          <a:fontRef idx="minor">
-            <a:schemeClr val="lt1"/>
-          </a:fontRef>
-        </p:style>
-        <p:txBody>
-          <a:bodyPr rtlCol="0" anchor="ctr"/>
-          <a:lstStyle/>
-          <a:p>
-            <a:pPr algn="ctr"/>
-            <a:endParaRPr lang="en-US"/>
-          </a:p>
-        </p:txBody>
-      </p:sp>
-      <p:sp>
-        <p:nvSpPr>
-          <p:cNvPr id="2" name="Title 1">
-            <a:extLst>
-              <a:ext uri="{FF2B5EF4-FFF2-40B4-BE49-F238E27FC236}">
-                <a16:creationId xmlns:a16="http://schemas.microsoft.com/office/drawing/2014/main" id="{4BC16802-A1E8-4CCD-855D-7687006D076B}"/>
-              </a:ext>
-            </a:extLst>
-          </p:cNvPr>
-          <p:cNvSpPr>
-            <a:spLocks noGrp="1"/>
-          </p:cNvSpPr>
-          <p:nvPr>
-            <p:ph type="title"/>
-          </p:nvPr>
-        </p:nvSpPr>
-        <p:spPr>
-          <a:xfrm>
-            <a:off x="8191925" y="1325880"/>
-            <a:ext cx="3352375" cy="3066507"/>
-          </a:xfrm>
-        </p:spPr>
-        <p:txBody>
-          <a:bodyPr vert="horz" lIns="91440" tIns="45720" rIns="91440" bIns="45720" rtlCol="0" anchor="b">
-            <a:normAutofit/>
-          </a:bodyPr>
-          <a:lstStyle/>
-          <a:p>
-            <a:r>
-              <a:rPr lang="en-US" sz="4600" b="0" i="0" kern="1200">
-                <a:solidFill>
-                  <a:srgbClr val="EBEBEB"/>
-                </a:solidFill>
-                <a:latin typeface="+mj-lt"/>
-                <a:ea typeface="+mj-ea"/>
-                <a:cs typeface="+mj-cs"/>
-              </a:rPr>
-              <a:t>Balsamiq Wireframes</a:t>
-            </a:r>
-          </a:p>
-        </p:txBody>
-      </p:sp>
-      <p:sp>
-        <p:nvSpPr>
-          <p:cNvPr id="46" name="Freeform 36">
-            <a:extLst>
-              <a:ext uri="{FF2B5EF4-FFF2-40B4-BE49-F238E27FC236}">
-                <a16:creationId xmlns:a16="http://schemas.microsoft.com/office/drawing/2014/main" id="{C24BEC42-AFF3-40D1-93A2-A27A42E1E23C}"/>
-              </a:ext>
-              <a:ext uri="{C183D7F6-B498-43B3-948B-1728B52AA6E4}">
-                <adec:decorative xmlns:adec="http://schemas.microsoft.com/office/drawing/2017/decorative" val="1"/>
-              </a:ext>
-            </a:extLst>
-          </p:cNvPr>
-          <p:cNvSpPr>
-            <a:spLocks noGrp="1" noRot="1" noChangeAspect="1" noMove="1" noResize="1" noEditPoints="1" noAdjustHandles="1" noChangeArrowheads="1" noChangeShapeType="1" noTextEdit="1"/>
-          </p:cNvSpPr>
-          <p:nvPr>
-            <p:extLst>
-              <p:ext uri="{386F3935-93C4-4BCD-93E2-E3B085C9AB24}">
-                <p16:designElem xmlns:p16="http://schemas.microsoft.com/office/powerpoint/2015/main" val="1"/>
-              </p:ext>
-            </p:extLst>
-          </p:nvPr>
-        </p:nvSpPr>
-        <p:spPr>
-          <a:xfrm flipH="1">
-            <a:off x="7463681" y="-1"/>
-            <a:ext cx="559472" cy="3709642"/>
-          </a:xfrm>
-          <a:custGeom>
-            <a:avLst/>
-            <a:gdLst>
-              <a:gd name="connsiteX0" fmla="*/ 0 w 559472"/>
-              <a:gd name="connsiteY0" fmla="*/ 0 h 3709642"/>
-              <a:gd name="connsiteX1" fmla="*/ 473952 w 559472"/>
-              <a:gd name="connsiteY1" fmla="*/ 0 h 3709642"/>
-              <a:gd name="connsiteX2" fmla="*/ 485840 w 559472"/>
-              <a:gd name="connsiteY2" fmla="*/ 161194 h 3709642"/>
-              <a:gd name="connsiteX3" fmla="*/ 523949 w 559472"/>
-              <a:gd name="connsiteY3" fmla="*/ 3672197 h 3709642"/>
-              <a:gd name="connsiteX4" fmla="*/ 454748 w 559472"/>
-              <a:gd name="connsiteY4" fmla="*/ 3709642 h 3709642"/>
-              <a:gd name="connsiteX5" fmla="*/ 448224 w 559472"/>
-              <a:gd name="connsiteY5" fmla="*/ 3510471 h 3709642"/>
-              <a:gd name="connsiteX6" fmla="*/ 443564 w 559472"/>
-              <a:gd name="connsiteY6" fmla="*/ 3408563 h 3709642"/>
-              <a:gd name="connsiteX7" fmla="*/ 438902 w 559472"/>
-              <a:gd name="connsiteY7" fmla="*/ 3304407 h 3709642"/>
-              <a:gd name="connsiteX8" fmla="*/ 433941 w 559472"/>
-              <a:gd name="connsiteY8" fmla="*/ 3198777 h 3709642"/>
-              <a:gd name="connsiteX9" fmla="*/ 427584 w 559472"/>
-              <a:gd name="connsiteY9" fmla="*/ 3092510 h 3709642"/>
-              <a:gd name="connsiteX10" fmla="*/ 420988 w 559472"/>
-              <a:gd name="connsiteY10" fmla="*/ 2984390 h 3709642"/>
-              <a:gd name="connsiteX11" fmla="*/ 414330 w 559472"/>
-              <a:gd name="connsiteY11" fmla="*/ 2874401 h 3709642"/>
-              <a:gd name="connsiteX12" fmla="*/ 406840 w 559472"/>
-              <a:gd name="connsiteY12" fmla="*/ 2762980 h 3709642"/>
-              <a:gd name="connsiteX13" fmla="*/ 397745 w 559472"/>
-              <a:gd name="connsiteY13" fmla="*/ 2650566 h 3709642"/>
-              <a:gd name="connsiteX14" fmla="*/ 389154 w 559472"/>
-              <a:gd name="connsiteY14" fmla="*/ 2536612 h 3709642"/>
-              <a:gd name="connsiteX15" fmla="*/ 379225 w 559472"/>
-              <a:gd name="connsiteY15" fmla="*/ 2421642 h 3709642"/>
-              <a:gd name="connsiteX16" fmla="*/ 368316 w 559472"/>
-              <a:gd name="connsiteY16" fmla="*/ 2305627 h 3709642"/>
-              <a:gd name="connsiteX17" fmla="*/ 357466 w 559472"/>
-              <a:gd name="connsiteY17" fmla="*/ 2189233 h 3709642"/>
-              <a:gd name="connsiteX18" fmla="*/ 344982 w 559472"/>
-              <a:gd name="connsiteY18" fmla="*/ 2071473 h 3709642"/>
-              <a:gd name="connsiteX19" fmla="*/ 332466 w 559472"/>
-              <a:gd name="connsiteY19" fmla="*/ 1952216 h 3709642"/>
-              <a:gd name="connsiteX20" fmla="*/ 319121 w 559472"/>
-              <a:gd name="connsiteY20" fmla="*/ 1833776 h 3709642"/>
-              <a:gd name="connsiteX21" fmla="*/ 304408 w 559472"/>
-              <a:gd name="connsiteY21" fmla="*/ 1713948 h 3709642"/>
-              <a:gd name="connsiteX22" fmla="*/ 288685 w 559472"/>
-              <a:gd name="connsiteY22" fmla="*/ 1592703 h 3709642"/>
-              <a:gd name="connsiteX23" fmla="*/ 273050 w 559472"/>
-              <a:gd name="connsiteY23" fmla="*/ 1471451 h 3709642"/>
-              <a:gd name="connsiteX24" fmla="*/ 255813 w 559472"/>
-              <a:gd name="connsiteY24" fmla="*/ 1350328 h 3709642"/>
-              <a:gd name="connsiteX25" fmla="*/ 237060 w 559472"/>
-              <a:gd name="connsiteY25" fmla="*/ 1227080 h 3709642"/>
-              <a:gd name="connsiteX26" fmla="*/ 218488 w 559472"/>
-              <a:gd name="connsiteY26" fmla="*/ 1106065 h 3709642"/>
-              <a:gd name="connsiteX27" fmla="*/ 198221 w 559472"/>
-              <a:gd name="connsiteY27" fmla="*/ 982940 h 3709642"/>
-              <a:gd name="connsiteX28" fmla="*/ 177152 w 559472"/>
-              <a:gd name="connsiteY28" fmla="*/ 858755 h 3709642"/>
-              <a:gd name="connsiteX29" fmla="*/ 155551 w 559472"/>
-              <a:gd name="connsiteY29" fmla="*/ 736861 h 3709642"/>
-              <a:gd name="connsiteX30" fmla="*/ 131782 w 559472"/>
-              <a:gd name="connsiteY30" fmla="*/ 613645 h 3709642"/>
-              <a:gd name="connsiteX31" fmla="*/ 107123 w 559472"/>
-              <a:gd name="connsiteY31" fmla="*/ 490500 h 3709642"/>
-              <a:gd name="connsiteX32" fmla="*/ 82552 w 559472"/>
-              <a:gd name="connsiteY32" fmla="*/ 367348 h 3709642"/>
-              <a:gd name="connsiteX33" fmla="*/ 55608 w 559472"/>
-              <a:gd name="connsiteY33" fmla="*/ 244762 h 3709642"/>
-              <a:gd name="connsiteX34" fmla="*/ 28130 w 559472"/>
-              <a:gd name="connsiteY34" fmla="*/ 122220 h 3709642"/>
-              <a:gd name="connsiteX35" fmla="*/ 0 w 559472"/>
-              <a:gd name="connsiteY35" fmla="*/ 0 h 3709642"/>
-            </a:gdLst>
-            <a:ahLst/>
-            <a:cxnLst>
-              <a:cxn ang="0">
-                <a:pos x="connsiteX0" y="connsiteY0"/>
-              </a:cxn>
-              <a:cxn ang="0">
-                <a:pos x="connsiteX1" y="connsiteY1"/>
-              </a:cxn>
-              <a:cxn ang="0">
-                <a:pos x="connsiteX2" y="connsiteY2"/>
-              </a:cxn>
-              <a:cxn ang="0">
-                <a:pos x="connsiteX3" y="connsiteY3"/>
-              </a:cxn>
-              <a:cxn ang="0">
-                <a:pos x="connsiteX4" y="connsiteY4"/>
-              </a:cxn>
-              <a:cxn ang="0">
-                <a:pos x="connsiteX5" y="connsiteY5"/>
-              </a:cxn>
-              <a:cxn ang="0">
-                <a:pos x="connsiteX6" y="connsiteY6"/>
-              </a:cxn>
-              <a:cxn ang="0">
-                <a:pos x="connsiteX7" y="connsiteY7"/>
-              </a:cxn>
-              <a:cxn ang="0">
-                <a:pos x="connsiteX8" y="connsiteY8"/>
-              </a:cxn>
-              <a:cxn ang="0">
-                <a:pos x="connsiteX9" y="connsiteY9"/>
-              </a:cxn>
-              <a:cxn ang="0">
-                <a:pos x="connsiteX10" y="connsiteY10"/>
-              </a:cxn>
-              <a:cxn ang="0">
-                <a:pos x="connsiteX11" y="connsiteY11"/>
-              </a:cxn>
-              <a:cxn ang="0">
-                <a:pos x="connsiteX12" y="connsiteY12"/>
-              </a:cxn>
-              <a:cxn ang="0">
-                <a:pos x="connsiteX13" y="connsiteY13"/>
-              </a:cxn>
-              <a:cxn ang="0">
-                <a:pos x="connsiteX14" y="connsiteY14"/>
-              </a:cxn>
-              <a:cxn ang="0">
-                <a:pos x="connsiteX15" y="connsiteY15"/>
-              </a:cxn>
-              <a:cxn ang="0">
-                <a:pos x="connsiteX16" y="connsiteY16"/>
-              </a:cxn>
-              <a:cxn ang="0">
-                <a:pos x="connsiteX17" y="connsiteY17"/>
-              </a:cxn>
-              <a:cxn ang="0">
-                <a:pos x="connsiteX18" y="connsiteY18"/>
-              </a:cxn>
-              <a:cxn ang="0">
-                <a:pos x="connsiteX19" y="connsiteY19"/>
-              </a:cxn>
-              <a:cxn ang="0">
-                <a:pos x="connsiteX20" y="connsiteY20"/>
-              </a:cxn>
-              <a:cxn ang="0">
-                <a:pos x="connsiteX21" y="connsiteY21"/>
-              </a:cxn>
-              <a:cxn ang="0">
-                <a:pos x="connsiteX22" y="connsiteY22"/>
-              </a:cxn>
-              <a:cxn ang="0">
-                <a:pos x="connsiteX23" y="connsiteY23"/>
-              </a:cxn>
-              <a:cxn ang="0">
-                <a:pos x="connsiteX24" y="connsiteY24"/>
-              </a:cxn>
-              <a:cxn ang="0">
-                <a:pos x="connsiteX25" y="connsiteY25"/>
-              </a:cxn>
-              <a:cxn ang="0">
-                <a:pos x="connsiteX26" y="connsiteY26"/>
-              </a:cxn>
-              <a:cxn ang="0">
-                <a:pos x="connsiteX27" y="connsiteY27"/>
-              </a:cxn>
-              <a:cxn ang="0">
-                <a:pos x="connsiteX28" y="connsiteY28"/>
-              </a:cxn>
-              <a:cxn ang="0">
-                <a:pos x="connsiteX29" y="connsiteY29"/>
-              </a:cxn>
-              <a:cxn ang="0">
-                <a:pos x="connsiteX30" y="connsiteY30"/>
-              </a:cxn>
-              <a:cxn ang="0">
-                <a:pos x="connsiteX31" y="connsiteY31"/>
-              </a:cxn>
-              <a:cxn ang="0">
-                <a:pos x="connsiteX32" y="connsiteY32"/>
-              </a:cxn>
-              <a:cxn ang="0">
-                <a:pos x="connsiteX33" y="connsiteY33"/>
-              </a:cxn>
-              <a:cxn ang="0">
-                <a:pos x="connsiteX34" y="connsiteY34"/>
-              </a:cxn>
-              <a:cxn ang="0">
-                <a:pos x="connsiteX35" y="connsiteY35"/>
-              </a:cxn>
-            </a:cxnLst>
-            <a:rect l="l" t="t" r="r" b="b"/>
-            <a:pathLst>
-              <a:path w="559472" h="3709642">
-                <a:moveTo>
-                  <a:pt x="0" y="0"/>
-                </a:moveTo>
-                <a:lnTo>
-                  <a:pt x="473952" y="0"/>
-                </a:lnTo>
-                <a:lnTo>
-                  <a:pt x="485840" y="161194"/>
-                </a:lnTo>
-                <a:cubicBezTo>
-                  <a:pt x="552063" y="1147770"/>
-                  <a:pt x="592441" y="3086737"/>
-                  <a:pt x="523949" y="3672197"/>
-                </a:cubicBezTo>
-                <a:cubicBezTo>
-                  <a:pt x="500842" y="3684557"/>
-                  <a:pt x="477855" y="3697282"/>
-                  <a:pt x="454748" y="3709642"/>
-                </a:cubicBezTo>
-                <a:lnTo>
-                  <a:pt x="448224" y="3510471"/>
-                </a:lnTo>
-                <a:lnTo>
-                  <a:pt x="443564" y="3408563"/>
-                </a:lnTo>
-                <a:lnTo>
-                  <a:pt x="438902" y="3304407"/>
-                </a:lnTo>
-                <a:lnTo>
-                  <a:pt x="433941" y="3198777"/>
-                </a:lnTo>
-                <a:lnTo>
-                  <a:pt x="427584" y="3092510"/>
-                </a:lnTo>
-                <a:lnTo>
-                  <a:pt x="420988" y="2984390"/>
-                </a:lnTo>
-                <a:lnTo>
-                  <a:pt x="414330" y="2874401"/>
-                </a:lnTo>
-                <a:lnTo>
-                  <a:pt x="406840" y="2762980"/>
-                </a:lnTo>
-                <a:lnTo>
-                  <a:pt x="397745" y="2650566"/>
-                </a:lnTo>
-                <a:lnTo>
-                  <a:pt x="389154" y="2536612"/>
-                </a:lnTo>
-                <a:lnTo>
-                  <a:pt x="379225" y="2421642"/>
-                </a:lnTo>
-                <a:lnTo>
-                  <a:pt x="368316" y="2305627"/>
-                </a:lnTo>
-                <a:lnTo>
-                  <a:pt x="357466" y="2189233"/>
-                </a:lnTo>
-                <a:lnTo>
-                  <a:pt x="344982" y="2071473"/>
-                </a:lnTo>
-                <a:lnTo>
-                  <a:pt x="332466" y="1952216"/>
-                </a:lnTo>
-                <a:lnTo>
-                  <a:pt x="319121" y="1833776"/>
-                </a:lnTo>
-                <a:lnTo>
-                  <a:pt x="304408" y="1713948"/>
-                </a:lnTo>
-                <a:lnTo>
-                  <a:pt x="288685" y="1592703"/>
-                </a:lnTo>
-                <a:lnTo>
-                  <a:pt x="273050" y="1471451"/>
-                </a:lnTo>
-                <a:lnTo>
-                  <a:pt x="255813" y="1350328"/>
-                </a:lnTo>
-                <a:lnTo>
-                  <a:pt x="237060" y="1227080"/>
-                </a:lnTo>
-                <a:lnTo>
-                  <a:pt x="218488" y="1106065"/>
-                </a:lnTo>
-                <a:lnTo>
-                  <a:pt x="198221" y="982940"/>
-                </a:lnTo>
-                <a:lnTo>
-                  <a:pt x="177152" y="858755"/>
-                </a:lnTo>
-                <a:lnTo>
-                  <a:pt x="155551" y="736861"/>
-                </a:lnTo>
-                <a:lnTo>
-                  <a:pt x="131782" y="613645"/>
-                </a:lnTo>
-                <a:lnTo>
-                  <a:pt x="107123" y="490500"/>
-                </a:lnTo>
-                <a:lnTo>
-                  <a:pt x="82552" y="367348"/>
-                </a:lnTo>
-                <a:lnTo>
-                  <a:pt x="55608" y="244762"/>
-                </a:lnTo>
-                <a:lnTo>
-                  <a:pt x="28130" y="122220"/>
-                </a:lnTo>
-                <a:lnTo>
-                  <a:pt x="0" y="0"/>
-                </a:lnTo>
-                <a:close/>
-              </a:path>
-            </a:pathLst>
-          </a:custGeom>
           <a:solidFill>
-            <a:schemeClr val="bg1">
-              <a:alpha val="20000"/>
-            </a:schemeClr>
+            <a:srgbClr val="FFFFFF"/>
           </a:solidFill>
-          <a:ln>
-            <a:noFill/>
-          </a:ln>
-        </p:spPr>
-        <p:txBody>
-          <a:bodyPr rtlCol="0" anchor="ctr"/>
-          <a:lstStyle/>
-          <a:p>
-            <a:pPr algn="ctr"/>
-            <a:endParaRPr lang="en-US"/>
-          </a:p>
-        </p:txBody>
-      </p:sp>
-      <p:sp useBgFill="1">
-        <p:nvSpPr>
-          <p:cNvPr id="48" name="Freeform: Shape 47">
-            <a:extLst>
-              <a:ext uri="{FF2B5EF4-FFF2-40B4-BE49-F238E27FC236}">
-                <a16:creationId xmlns:a16="http://schemas.microsoft.com/office/drawing/2014/main" id="{608F427C-1EC9-4280-9367-F2B3AA063E82}"/>
-              </a:ext>
-              <a:ext uri="{C183D7F6-B498-43B3-948B-1728B52AA6E4}">
-                <adec:decorative xmlns:adec="http://schemas.microsoft.com/office/drawing/2017/decorative" val="1"/>
-              </a:ext>
-            </a:extLst>
-          </p:cNvPr>
-          <p:cNvSpPr>
-            <a:spLocks noGrp="1" noRot="1" noChangeAspect="1" noMove="1" noResize="1" noEditPoints="1" noAdjustHandles="1" noChangeArrowheads="1" noChangeShapeType="1" noTextEdit="1"/>
-          </p:cNvSpPr>
-          <p:nvPr>
-            <p:extLst>
-              <p:ext uri="{386F3935-93C4-4BCD-93E2-E3B085C9AB24}">
-                <p16:designElem xmlns:p16="http://schemas.microsoft.com/office/powerpoint/2015/main" val="1"/>
-              </p:ext>
-            </p:extLst>
-          </p:nvPr>
-        </p:nvSpPr>
-        <p:spPr>
-          <a:xfrm>
-            <a:off x="0" y="0"/>
-            <a:ext cx="7809954" cy="6858000"/>
-          </a:xfrm>
-          <a:custGeom>
-            <a:avLst/>
-            <a:gdLst>
-              <a:gd name="connsiteX0" fmla="*/ 6465239 w 7809954"/>
-              <a:gd name="connsiteY0" fmla="*/ 0 h 6858000"/>
-              <a:gd name="connsiteX1" fmla="*/ 7808777 w 7809954"/>
-              <a:gd name="connsiteY1" fmla="*/ 0 h 6858000"/>
-              <a:gd name="connsiteX2" fmla="*/ 7783732 w 7809954"/>
-              <a:gd name="connsiteY2" fmla="*/ 155676 h 6858000"/>
-              <a:gd name="connsiteX3" fmla="*/ 7759863 w 7809954"/>
-              <a:gd name="connsiteY3" fmla="*/ 310667 h 6858000"/>
-              <a:gd name="connsiteX4" fmla="*/ 7736499 w 7809954"/>
-              <a:gd name="connsiteY4" fmla="*/ 466344 h 6858000"/>
-              <a:gd name="connsiteX5" fmla="*/ 7716496 w 7809954"/>
-              <a:gd name="connsiteY5" fmla="*/ 622706 h 6858000"/>
-              <a:gd name="connsiteX6" fmla="*/ 7696325 w 7809954"/>
-              <a:gd name="connsiteY6" fmla="*/ 778383 h 6858000"/>
-              <a:gd name="connsiteX7" fmla="*/ 7677499 w 7809954"/>
-              <a:gd name="connsiteY7" fmla="*/ 934745 h 6858000"/>
-              <a:gd name="connsiteX8" fmla="*/ 7661363 w 7809954"/>
-              <a:gd name="connsiteY8" fmla="*/ 1089050 h 6858000"/>
-              <a:gd name="connsiteX9" fmla="*/ 7646067 w 7809954"/>
-              <a:gd name="connsiteY9" fmla="*/ 1245413 h 6858000"/>
-              <a:gd name="connsiteX10" fmla="*/ 7632115 w 7809954"/>
-              <a:gd name="connsiteY10" fmla="*/ 1401089 h 6858000"/>
-              <a:gd name="connsiteX11" fmla="*/ 7620013 w 7809954"/>
-              <a:gd name="connsiteY11" fmla="*/ 1554023 h 6858000"/>
-              <a:gd name="connsiteX12" fmla="*/ 7607910 w 7809954"/>
-              <a:gd name="connsiteY12" fmla="*/ 1709013 h 6858000"/>
-              <a:gd name="connsiteX13" fmla="*/ 7597825 w 7809954"/>
-              <a:gd name="connsiteY13" fmla="*/ 1861947 h 6858000"/>
-              <a:gd name="connsiteX14" fmla="*/ 7589925 w 7809954"/>
-              <a:gd name="connsiteY14" fmla="*/ 2014880 h 6858000"/>
-              <a:gd name="connsiteX15" fmla="*/ 7581688 w 7809954"/>
-              <a:gd name="connsiteY15" fmla="*/ 2167128 h 6858000"/>
-              <a:gd name="connsiteX16" fmla="*/ 7574797 w 7809954"/>
-              <a:gd name="connsiteY16" fmla="*/ 2318004 h 6858000"/>
-              <a:gd name="connsiteX17" fmla="*/ 7569922 w 7809954"/>
-              <a:gd name="connsiteY17" fmla="*/ 2467508 h 6858000"/>
-              <a:gd name="connsiteX18" fmla="*/ 7565720 w 7809954"/>
-              <a:gd name="connsiteY18" fmla="*/ 2617013 h 6858000"/>
-              <a:gd name="connsiteX19" fmla="*/ 7561686 w 7809954"/>
-              <a:gd name="connsiteY19" fmla="*/ 2765145 h 6858000"/>
-              <a:gd name="connsiteX20" fmla="*/ 7559837 w 7809954"/>
-              <a:gd name="connsiteY20" fmla="*/ 2911221 h 6858000"/>
-              <a:gd name="connsiteX21" fmla="*/ 7557820 w 7809954"/>
-              <a:gd name="connsiteY21" fmla="*/ 3057296 h 6858000"/>
-              <a:gd name="connsiteX22" fmla="*/ 7556811 w 7809954"/>
-              <a:gd name="connsiteY22" fmla="*/ 3201314 h 6858000"/>
-              <a:gd name="connsiteX23" fmla="*/ 7557820 w 7809954"/>
-              <a:gd name="connsiteY23" fmla="*/ 3343960 h 6858000"/>
-              <a:gd name="connsiteX24" fmla="*/ 7557820 w 7809954"/>
-              <a:gd name="connsiteY24" fmla="*/ 3485235 h 6858000"/>
-              <a:gd name="connsiteX25" fmla="*/ 7559837 w 7809954"/>
-              <a:gd name="connsiteY25" fmla="*/ 3625138 h 6858000"/>
-              <a:gd name="connsiteX26" fmla="*/ 7562862 w 7809954"/>
-              <a:gd name="connsiteY26" fmla="*/ 3762298 h 6858000"/>
-              <a:gd name="connsiteX27" fmla="*/ 7565720 w 7809954"/>
-              <a:gd name="connsiteY27" fmla="*/ 3898087 h 6858000"/>
-              <a:gd name="connsiteX28" fmla="*/ 7568914 w 7809954"/>
-              <a:gd name="connsiteY28" fmla="*/ 4031132 h 6858000"/>
-              <a:gd name="connsiteX29" fmla="*/ 7573788 w 7809954"/>
-              <a:gd name="connsiteY29" fmla="*/ 4163491 h 6858000"/>
-              <a:gd name="connsiteX30" fmla="*/ 7578999 w 7809954"/>
-              <a:gd name="connsiteY30" fmla="*/ 4293793 h 6858000"/>
-              <a:gd name="connsiteX31" fmla="*/ 7583705 w 7809954"/>
-              <a:gd name="connsiteY31" fmla="*/ 4421352 h 6858000"/>
-              <a:gd name="connsiteX32" fmla="*/ 7596985 w 7809954"/>
-              <a:gd name="connsiteY32" fmla="*/ 4670298 h 6858000"/>
-              <a:gd name="connsiteX33" fmla="*/ 7611104 w 7809954"/>
-              <a:gd name="connsiteY33" fmla="*/ 4908956 h 6858000"/>
-              <a:gd name="connsiteX34" fmla="*/ 7625896 w 7809954"/>
-              <a:gd name="connsiteY34" fmla="*/ 5138013 h 6858000"/>
-              <a:gd name="connsiteX35" fmla="*/ 7642201 w 7809954"/>
-              <a:gd name="connsiteY35" fmla="*/ 5354726 h 6858000"/>
-              <a:gd name="connsiteX36" fmla="*/ 7659178 w 7809954"/>
-              <a:gd name="connsiteY36" fmla="*/ 5561838 h 6858000"/>
-              <a:gd name="connsiteX37" fmla="*/ 7677499 w 7809954"/>
-              <a:gd name="connsiteY37" fmla="*/ 5753862 h 6858000"/>
-              <a:gd name="connsiteX38" fmla="*/ 7695485 w 7809954"/>
-              <a:gd name="connsiteY38" fmla="*/ 5934227 h 6858000"/>
-              <a:gd name="connsiteX39" fmla="*/ 7713470 w 7809954"/>
-              <a:gd name="connsiteY39" fmla="*/ 6100191 h 6858000"/>
-              <a:gd name="connsiteX40" fmla="*/ 7730447 w 7809954"/>
-              <a:gd name="connsiteY40" fmla="*/ 6252438 h 6858000"/>
-              <a:gd name="connsiteX41" fmla="*/ 7746584 w 7809954"/>
-              <a:gd name="connsiteY41" fmla="*/ 6387541 h 6858000"/>
-              <a:gd name="connsiteX42" fmla="*/ 7761880 w 7809954"/>
-              <a:gd name="connsiteY42" fmla="*/ 6509613 h 6858000"/>
-              <a:gd name="connsiteX43" fmla="*/ 7774655 w 7809954"/>
-              <a:gd name="connsiteY43" fmla="*/ 6612483 h 6858000"/>
-              <a:gd name="connsiteX44" fmla="*/ 7786757 w 7809954"/>
-              <a:gd name="connsiteY44" fmla="*/ 6698894 h 6858000"/>
-              <a:gd name="connsiteX45" fmla="*/ 7804071 w 7809954"/>
-              <a:gd name="connsiteY45" fmla="*/ 6817538 h 6858000"/>
-              <a:gd name="connsiteX46" fmla="*/ 7809954 w 7809954"/>
-              <a:gd name="connsiteY46" fmla="*/ 6858000 h 6858000"/>
-              <a:gd name="connsiteX47" fmla="*/ 7157124 w 7809954"/>
-              <a:gd name="connsiteY47" fmla="*/ 6858000 h 6858000"/>
-              <a:gd name="connsiteX48" fmla="*/ 7157124 w 7809954"/>
-              <a:gd name="connsiteY48" fmla="*/ 6858000 h 6858000"/>
-              <a:gd name="connsiteX49" fmla="*/ 0 w 7809954"/>
-              <a:gd name="connsiteY49" fmla="*/ 6858000 h 6858000"/>
-              <a:gd name="connsiteX50" fmla="*/ 0 w 7809954"/>
-              <a:gd name="connsiteY50" fmla="*/ 0 h 6858000"/>
-              <a:gd name="connsiteX51" fmla="*/ 6465239 w 7809954"/>
-              <a:gd name="connsiteY51" fmla="*/ 0 h 6858000"/>
-            </a:gdLst>
-            <a:ahLst/>
-            <a:cxnLst>
-              <a:cxn ang="0">
-                <a:pos x="connsiteX0" y="connsiteY0"/>
-              </a:cxn>
-              <a:cxn ang="0">
-                <a:pos x="connsiteX1" y="connsiteY1"/>
-              </a:cxn>
-              <a:cxn ang="0">
-                <a:pos x="connsiteX2" y="connsiteY2"/>
-              </a:cxn>
-              <a:cxn ang="0">
-                <a:pos x="connsiteX3" y="connsiteY3"/>
-              </a:cxn>
-              <a:cxn ang="0">
-                <a:pos x="connsiteX4" y="connsiteY4"/>
-              </a:cxn>
-              <a:cxn ang="0">
-                <a:pos x="connsiteX5" y="connsiteY5"/>
-              </a:cxn>
-              <a:cxn ang="0">
-                <a:pos x="connsiteX6" y="connsiteY6"/>
-              </a:cxn>
-              <a:cxn ang="0">
-                <a:pos x="connsiteX7" y="connsiteY7"/>
-              </a:cxn>
-              <a:cxn ang="0">
-                <a:pos x="connsiteX8" y="connsiteY8"/>
-              </a:cxn>
-              <a:cxn ang="0">
-                <a:pos x="connsiteX9" y="connsiteY9"/>
-              </a:cxn>
-              <a:cxn ang="0">
-                <a:pos x="connsiteX10" y="connsiteY10"/>
-              </a:cxn>
-              <a:cxn ang="0">
-                <a:pos x="connsiteX11" y="connsiteY11"/>
-              </a:cxn>
-              <a:cxn ang="0">
-                <a:pos x="connsiteX12" y="connsiteY12"/>
-              </a:cxn>
-              <a:cxn ang="0">
-                <a:pos x="connsiteX13" y="connsiteY13"/>
-              </a:cxn>
-              <a:cxn ang="0">
-                <a:pos x="connsiteX14" y="connsiteY14"/>
-              </a:cxn>
-              <a:cxn ang="0">
-                <a:pos x="connsiteX15" y="connsiteY15"/>
-              </a:cxn>
-              <a:cxn ang="0">
-                <a:pos x="connsiteX16" y="connsiteY16"/>
-              </a:cxn>
-              <a:cxn ang="0">
-                <a:pos x="connsiteX17" y="connsiteY17"/>
-              </a:cxn>
-              <a:cxn ang="0">
-                <a:pos x="connsiteX18" y="connsiteY18"/>
-              </a:cxn>
-              <a:cxn ang="0">
-                <a:pos x="connsiteX19" y="connsiteY19"/>
-              </a:cxn>
-              <a:cxn ang="0">
-                <a:pos x="connsiteX20" y="connsiteY20"/>
-              </a:cxn>
-              <a:cxn ang="0">
-                <a:pos x="connsiteX21" y="connsiteY21"/>
-              </a:cxn>
-              <a:cxn ang="0">
-                <a:pos x="connsiteX22" y="connsiteY22"/>
-              </a:cxn>
-              <a:cxn ang="0">
-                <a:pos x="connsiteX23" y="connsiteY23"/>
-              </a:cxn>
-              <a:cxn ang="0">
-                <a:pos x="connsiteX24" y="connsiteY24"/>
-              </a:cxn>
-              <a:cxn ang="0">
-                <a:pos x="connsiteX25" y="connsiteY25"/>
-              </a:cxn>
-              <a:cxn ang="0">
-                <a:pos x="connsiteX26" y="connsiteY26"/>
-              </a:cxn>
-              <a:cxn ang="0">
-                <a:pos x="connsiteX27" y="connsiteY27"/>
-              </a:cxn>
-              <a:cxn ang="0">
-                <a:pos x="connsiteX28" y="connsiteY28"/>
-              </a:cxn>
-              <a:cxn ang="0">
-                <a:pos x="connsiteX29" y="connsiteY29"/>
-              </a:cxn>
-              <a:cxn ang="0">
-                <a:pos x="connsiteX30" y="connsiteY30"/>
-              </a:cxn>
-              <a:cxn ang="0">
-                <a:pos x="connsiteX31" y="connsiteY31"/>
-              </a:cxn>
-              <a:cxn ang="0">
-                <a:pos x="connsiteX32" y="connsiteY32"/>
-              </a:cxn>
-              <a:cxn ang="0">
-                <a:pos x="connsiteX33" y="connsiteY33"/>
-              </a:cxn>
-              <a:cxn ang="0">
-                <a:pos x="connsiteX34" y="connsiteY34"/>
-              </a:cxn>
-              <a:cxn ang="0">
-                <a:pos x="connsiteX35" y="connsiteY35"/>
-              </a:cxn>
-              <a:cxn ang="0">
-                <a:pos x="connsiteX36" y="connsiteY36"/>
-              </a:cxn>
-              <a:cxn ang="0">
-                <a:pos x="connsiteX37" y="connsiteY37"/>
-              </a:cxn>
-              <a:cxn ang="0">
-                <a:pos x="connsiteX38" y="connsiteY38"/>
-              </a:cxn>
-              <a:cxn ang="0">
-                <a:pos x="connsiteX39" y="connsiteY39"/>
-              </a:cxn>
-              <a:cxn ang="0">
-                <a:pos x="connsiteX40" y="connsiteY40"/>
-              </a:cxn>
-              <a:cxn ang="0">
-                <a:pos x="connsiteX41" y="connsiteY41"/>
-              </a:cxn>
-              <a:cxn ang="0">
-                <a:pos x="connsiteX42" y="connsiteY42"/>
-              </a:cxn>
-              <a:cxn ang="0">
-                <a:pos x="connsiteX43" y="connsiteY43"/>
-              </a:cxn>
-              <a:cxn ang="0">
-                <a:pos x="connsiteX44" y="connsiteY44"/>
-              </a:cxn>
-              <a:cxn ang="0">
-                <a:pos x="connsiteX45" y="connsiteY45"/>
-              </a:cxn>
-              <a:cxn ang="0">
-                <a:pos x="connsiteX46" y="connsiteY46"/>
-              </a:cxn>
-              <a:cxn ang="0">
-                <a:pos x="connsiteX47" y="connsiteY47"/>
-              </a:cxn>
-              <a:cxn ang="0">
-                <a:pos x="connsiteX48" y="connsiteY48"/>
-              </a:cxn>
-              <a:cxn ang="0">
-                <a:pos x="connsiteX49" y="connsiteY49"/>
-              </a:cxn>
-              <a:cxn ang="0">
-                <a:pos x="connsiteX50" y="connsiteY50"/>
-              </a:cxn>
-              <a:cxn ang="0">
-                <a:pos x="connsiteX51" y="connsiteY51"/>
-              </a:cxn>
-            </a:cxnLst>
-            <a:rect l="l" t="t" r="r" b="b"/>
-            <a:pathLst>
-              <a:path w="7809954" h="6858000">
-                <a:moveTo>
-                  <a:pt x="6465239" y="0"/>
-                </a:moveTo>
-                <a:lnTo>
-                  <a:pt x="7808777" y="0"/>
-                </a:lnTo>
-                <a:lnTo>
-                  <a:pt x="7783732" y="155676"/>
-                </a:lnTo>
-                <a:lnTo>
-                  <a:pt x="7759863" y="310667"/>
-                </a:lnTo>
-                <a:lnTo>
-                  <a:pt x="7736499" y="466344"/>
-                </a:lnTo>
-                <a:lnTo>
-                  <a:pt x="7716496" y="622706"/>
-                </a:lnTo>
-                <a:lnTo>
-                  <a:pt x="7696325" y="778383"/>
-                </a:lnTo>
-                <a:lnTo>
-                  <a:pt x="7677499" y="934745"/>
-                </a:lnTo>
-                <a:lnTo>
-                  <a:pt x="7661363" y="1089050"/>
-                </a:lnTo>
-                <a:lnTo>
-                  <a:pt x="7646067" y="1245413"/>
-                </a:lnTo>
-                <a:lnTo>
-                  <a:pt x="7632115" y="1401089"/>
-                </a:lnTo>
-                <a:lnTo>
-                  <a:pt x="7620013" y="1554023"/>
-                </a:lnTo>
-                <a:lnTo>
-                  <a:pt x="7607910" y="1709013"/>
-                </a:lnTo>
-                <a:lnTo>
-                  <a:pt x="7597825" y="1861947"/>
-                </a:lnTo>
-                <a:lnTo>
-                  <a:pt x="7589925" y="2014880"/>
-                </a:lnTo>
-                <a:lnTo>
-                  <a:pt x="7581688" y="2167128"/>
-                </a:lnTo>
-                <a:lnTo>
-                  <a:pt x="7574797" y="2318004"/>
-                </a:lnTo>
-                <a:lnTo>
-                  <a:pt x="7569922" y="2467508"/>
-                </a:lnTo>
-                <a:lnTo>
-                  <a:pt x="7565720" y="2617013"/>
-                </a:lnTo>
-                <a:lnTo>
-                  <a:pt x="7561686" y="2765145"/>
-                </a:lnTo>
-                <a:lnTo>
-                  <a:pt x="7559837" y="2911221"/>
-                </a:lnTo>
-                <a:lnTo>
-                  <a:pt x="7557820" y="3057296"/>
-                </a:lnTo>
-                <a:lnTo>
-                  <a:pt x="7556811" y="3201314"/>
-                </a:lnTo>
-                <a:lnTo>
-                  <a:pt x="7557820" y="3343960"/>
-                </a:lnTo>
-                <a:lnTo>
-                  <a:pt x="7557820" y="3485235"/>
-                </a:lnTo>
-                <a:lnTo>
-                  <a:pt x="7559837" y="3625138"/>
-                </a:lnTo>
-                <a:lnTo>
-                  <a:pt x="7562862" y="3762298"/>
-                </a:lnTo>
-                <a:lnTo>
-                  <a:pt x="7565720" y="3898087"/>
-                </a:lnTo>
-                <a:lnTo>
-                  <a:pt x="7568914" y="4031132"/>
-                </a:lnTo>
-                <a:lnTo>
-                  <a:pt x="7573788" y="4163491"/>
-                </a:lnTo>
-                <a:lnTo>
-                  <a:pt x="7578999" y="4293793"/>
-                </a:lnTo>
-                <a:lnTo>
-                  <a:pt x="7583705" y="4421352"/>
-                </a:lnTo>
-                <a:lnTo>
-                  <a:pt x="7596985" y="4670298"/>
-                </a:lnTo>
-                <a:lnTo>
-                  <a:pt x="7611104" y="4908956"/>
-                </a:lnTo>
-                <a:lnTo>
-                  <a:pt x="7625896" y="5138013"/>
-                </a:lnTo>
-                <a:lnTo>
-                  <a:pt x="7642201" y="5354726"/>
-                </a:lnTo>
-                <a:lnTo>
-                  <a:pt x="7659178" y="5561838"/>
-                </a:lnTo>
-                <a:lnTo>
-                  <a:pt x="7677499" y="5753862"/>
-                </a:lnTo>
-                <a:lnTo>
-                  <a:pt x="7695485" y="5934227"/>
-                </a:lnTo>
-                <a:lnTo>
-                  <a:pt x="7713470" y="6100191"/>
-                </a:lnTo>
-                <a:lnTo>
-                  <a:pt x="7730447" y="6252438"/>
-                </a:lnTo>
-                <a:lnTo>
-                  <a:pt x="7746584" y="6387541"/>
-                </a:lnTo>
-                <a:lnTo>
-                  <a:pt x="7761880" y="6509613"/>
-                </a:lnTo>
-                <a:lnTo>
-                  <a:pt x="7774655" y="6612483"/>
-                </a:lnTo>
-                <a:lnTo>
-                  <a:pt x="7786757" y="6698894"/>
-                </a:lnTo>
-                <a:lnTo>
-                  <a:pt x="7804071" y="6817538"/>
-                </a:lnTo>
-                <a:lnTo>
-                  <a:pt x="7809954" y="6858000"/>
-                </a:lnTo>
-                <a:lnTo>
-                  <a:pt x="7157124" y="6858000"/>
-                </a:lnTo>
-                <a:lnTo>
-                  <a:pt x="7157124" y="6858000"/>
-                </a:lnTo>
-                <a:lnTo>
-                  <a:pt x="0" y="6858000"/>
-                </a:lnTo>
-                <a:lnTo>
-                  <a:pt x="0" y="0"/>
-                </a:lnTo>
-                <a:lnTo>
-                  <a:pt x="6465239" y="0"/>
-                </a:lnTo>
-                <a:close/>
-              </a:path>
-            </a:pathLst>
-          </a:custGeom>
           <a:ln>
             <a:noFill/>
           </a:ln>
@@ -16747,9 +15972,7 @@
           </a:fontRef>
         </p:style>
         <p:txBody>
-          <a:bodyPr wrap="square" rtlCol="0" anchor="ctr">
-            <a:noAutofit/>
-          </a:bodyPr>
+          <a:bodyPr rtlCol="0" anchor="ctr"/>
           <a:lstStyle/>
           <a:p>
             <a:pPr algn="ctr"/>
@@ -16759,10 +15982,10 @@
       </p:sp>
       <p:sp>
         <p:nvSpPr>
-          <p:cNvPr id="50" name="Rectangle 49">
+          <p:cNvPr id="26" name="Rectangle 25">
             <a:extLst>
               <a:ext uri="{FF2B5EF4-FFF2-40B4-BE49-F238E27FC236}">
-                <a16:creationId xmlns:a16="http://schemas.microsoft.com/office/drawing/2014/main" id="{F98810A7-E114-447A-A7D6-69B27CFB5650}"/>
+                <a16:creationId xmlns:a16="http://schemas.microsoft.com/office/drawing/2014/main" id="{9B06DBD9-DED6-40C2-A7AD-3662707C4145}"/>
               </a:ext>
               <a:ext uri="{C183D7F6-B498-43B3-948B-1728B52AA6E4}">
                 <adec:decorative xmlns:adec="http://schemas.microsoft.com/office/drawing/2017/decorative" val="1"/>
@@ -16810,12 +16033,376 @@
           </a:fontRef>
         </p:style>
       </p:sp>
+      <p:sp>
+        <p:nvSpPr>
+          <p:cNvPr id="28" name="Freeform 15">
+            <a:extLst>
+              <a:ext uri="{FF2B5EF4-FFF2-40B4-BE49-F238E27FC236}">
+                <a16:creationId xmlns:a16="http://schemas.microsoft.com/office/drawing/2014/main" id="{B431FF8B-6FC2-47C1-B2C5-9B26E62436B0}"/>
+              </a:ext>
+              <a:ext uri="{C183D7F6-B498-43B3-948B-1728B52AA6E4}">
+                <adec:decorative xmlns:adec="http://schemas.microsoft.com/office/drawing/2017/decorative" val="1"/>
+              </a:ext>
+            </a:extLst>
+          </p:cNvPr>
+          <p:cNvSpPr>
+            <a:spLocks noGrp="1" noRot="1" noChangeAspect="1" noMove="1" noResize="1" noEditPoints="1" noAdjustHandles="1" noChangeArrowheads="1" noChangeShapeType="1" noTextEdit="1"/>
+          </p:cNvSpPr>
+          <p:nvPr>
+            <p:extLst>
+              <p:ext uri="{386F3935-93C4-4BCD-93E2-E3B085C9AB24}">
+                <p16:designElem xmlns:p16="http://schemas.microsoft.com/office/powerpoint/2015/main" val="1"/>
+              </p:ext>
+            </p:extLst>
+          </p:nvPr>
+        </p:nvSpPr>
+        <p:spPr>
+          <a:xfrm>
+            <a:off x="8719939" y="3753695"/>
+            <a:ext cx="3472060" cy="825932"/>
+          </a:xfrm>
+          <a:custGeom>
+            <a:avLst/>
+            <a:gdLst>
+              <a:gd name="connsiteX0" fmla="*/ 3470310 w 3472060"/>
+              <a:gd name="connsiteY0" fmla="*/ 0 h 825932"/>
+              <a:gd name="connsiteX1" fmla="*/ 3472060 w 3472060"/>
+              <a:gd name="connsiteY1" fmla="*/ 12850 h 825932"/>
+              <a:gd name="connsiteX2" fmla="*/ 3472060 w 3472060"/>
+              <a:gd name="connsiteY2" fmla="*/ 480529 h 825932"/>
+              <a:gd name="connsiteX3" fmla="*/ 3363699 w 3472060"/>
+              <a:gd name="connsiteY3" fmla="*/ 498471 h 825932"/>
+              <a:gd name="connsiteX4" fmla="*/ 42060 w 3472060"/>
+              <a:gd name="connsiteY4" fmla="*/ 824486 h 825932"/>
+              <a:gd name="connsiteX5" fmla="*/ 0 w 3472060"/>
+              <a:gd name="connsiteY5" fmla="*/ 758452 h 825932"/>
+              <a:gd name="connsiteX6" fmla="*/ 188014 w 3472060"/>
+              <a:gd name="connsiteY6" fmla="*/ 735602 h 825932"/>
+              <a:gd name="connsiteX7" fmla="*/ 284087 w 3472060"/>
+              <a:gd name="connsiteY7" fmla="*/ 722590 h 825932"/>
+              <a:gd name="connsiteX8" fmla="*/ 382288 w 3472060"/>
+              <a:gd name="connsiteY8" fmla="*/ 709392 h 825932"/>
+              <a:gd name="connsiteX9" fmla="*/ 481858 w 3472060"/>
+              <a:gd name="connsiteY9" fmla="*/ 695774 h 825932"/>
+              <a:gd name="connsiteX10" fmla="*/ 581897 w 3472060"/>
+              <a:gd name="connsiteY10" fmla="*/ 680711 h 825932"/>
+              <a:gd name="connsiteX11" fmla="*/ 683670 w 3472060"/>
+              <a:gd name="connsiteY11" fmla="*/ 665256 h 825932"/>
+              <a:gd name="connsiteX12" fmla="*/ 787206 w 3472060"/>
+              <a:gd name="connsiteY12" fmla="*/ 649587 h 825932"/>
+              <a:gd name="connsiteX13" fmla="*/ 892019 w 3472060"/>
+              <a:gd name="connsiteY13" fmla="*/ 632968 h 825932"/>
+              <a:gd name="connsiteX14" fmla="*/ 997620 w 3472060"/>
+              <a:gd name="connsiteY14" fmla="*/ 614667 h 825932"/>
+              <a:gd name="connsiteX15" fmla="*/ 1104727 w 3472060"/>
+              <a:gd name="connsiteY15" fmla="*/ 596741 h 825932"/>
+              <a:gd name="connsiteX16" fmla="*/ 1212669 w 3472060"/>
+              <a:gd name="connsiteY16" fmla="*/ 577397 h 825932"/>
+              <a:gd name="connsiteX17" fmla="*/ 1321506 w 3472060"/>
+              <a:gd name="connsiteY17" fmla="*/ 556988 h 825932"/>
+              <a:gd name="connsiteX18" fmla="*/ 1430709 w 3472060"/>
+              <a:gd name="connsiteY18" fmla="*/ 536607 h 825932"/>
+              <a:gd name="connsiteX19" fmla="*/ 1541050 w 3472060"/>
+              <a:gd name="connsiteY19" fmla="*/ 514481 h 825932"/>
+              <a:gd name="connsiteX20" fmla="*/ 1652805 w 3472060"/>
+              <a:gd name="connsiteY20" fmla="*/ 492202 h 825932"/>
+              <a:gd name="connsiteX21" fmla="*/ 1763708 w 3472060"/>
+              <a:gd name="connsiteY21" fmla="*/ 469161 h 825932"/>
+              <a:gd name="connsiteX22" fmla="*/ 1875795 w 3472060"/>
+              <a:gd name="connsiteY22" fmla="*/ 444641 h 825932"/>
+              <a:gd name="connsiteX23" fmla="*/ 1989128 w 3472060"/>
+              <a:gd name="connsiteY23" fmla="*/ 418995 h 825932"/>
+              <a:gd name="connsiteX24" fmla="*/ 2102476 w 3472060"/>
+              <a:gd name="connsiteY24" fmla="*/ 393438 h 825932"/>
+              <a:gd name="connsiteX25" fmla="*/ 2215549 w 3472060"/>
+              <a:gd name="connsiteY25" fmla="*/ 366291 h 825932"/>
+              <a:gd name="connsiteX26" fmla="*/ 2330490 w 3472060"/>
+              <a:gd name="connsiteY26" fmla="*/ 337455 h 825932"/>
+              <a:gd name="connsiteX27" fmla="*/ 2443333 w 3472060"/>
+              <a:gd name="connsiteY27" fmla="*/ 308983 h 825932"/>
+              <a:gd name="connsiteX28" fmla="*/ 2558014 w 3472060"/>
+              <a:gd name="connsiteY28" fmla="*/ 278646 h 825932"/>
+              <a:gd name="connsiteX29" fmla="*/ 2673621 w 3472060"/>
+              <a:gd name="connsiteY29" fmla="*/ 247421 h 825932"/>
+              <a:gd name="connsiteX30" fmla="*/ 2787008 w 3472060"/>
+              <a:gd name="connsiteY30" fmla="*/ 215853 h 825932"/>
+              <a:gd name="connsiteX31" fmla="*/ 2901442 w 3472060"/>
+              <a:gd name="connsiteY31" fmla="*/ 182011 h 825932"/>
+              <a:gd name="connsiteX32" fmla="*/ 3015722 w 3472060"/>
+              <a:gd name="connsiteY32" fmla="*/ 147286 h 825932"/>
+              <a:gd name="connsiteX33" fmla="*/ 3130018 w 3472060"/>
+              <a:gd name="connsiteY33" fmla="*/ 112649 h 825932"/>
+              <a:gd name="connsiteX34" fmla="*/ 3243551 w 3472060"/>
+              <a:gd name="connsiteY34" fmla="*/ 75688 h 825932"/>
+              <a:gd name="connsiteX35" fmla="*/ 3356992 w 3472060"/>
+              <a:gd name="connsiteY35" fmla="*/ 38197 h 825932"/>
+              <a:gd name="connsiteX36" fmla="*/ 3470310 w 3472060"/>
+              <a:gd name="connsiteY36" fmla="*/ 0 h 825932"/>
+            </a:gdLst>
+            <a:ahLst/>
+            <a:cxnLst>
+              <a:cxn ang="0">
+                <a:pos x="connsiteX0" y="connsiteY0"/>
+              </a:cxn>
+              <a:cxn ang="0">
+                <a:pos x="connsiteX1" y="connsiteY1"/>
+              </a:cxn>
+              <a:cxn ang="0">
+                <a:pos x="connsiteX2" y="connsiteY2"/>
+              </a:cxn>
+              <a:cxn ang="0">
+                <a:pos x="connsiteX3" y="connsiteY3"/>
+              </a:cxn>
+              <a:cxn ang="0">
+                <a:pos x="connsiteX4" y="connsiteY4"/>
+              </a:cxn>
+              <a:cxn ang="0">
+                <a:pos x="connsiteX5" y="connsiteY5"/>
+              </a:cxn>
+              <a:cxn ang="0">
+                <a:pos x="connsiteX6" y="connsiteY6"/>
+              </a:cxn>
+              <a:cxn ang="0">
+                <a:pos x="connsiteX7" y="connsiteY7"/>
+              </a:cxn>
+              <a:cxn ang="0">
+                <a:pos x="connsiteX8" y="connsiteY8"/>
+              </a:cxn>
+              <a:cxn ang="0">
+                <a:pos x="connsiteX9" y="connsiteY9"/>
+              </a:cxn>
+              <a:cxn ang="0">
+                <a:pos x="connsiteX10" y="connsiteY10"/>
+              </a:cxn>
+              <a:cxn ang="0">
+                <a:pos x="connsiteX11" y="connsiteY11"/>
+              </a:cxn>
+              <a:cxn ang="0">
+                <a:pos x="connsiteX12" y="connsiteY12"/>
+              </a:cxn>
+              <a:cxn ang="0">
+                <a:pos x="connsiteX13" y="connsiteY13"/>
+              </a:cxn>
+              <a:cxn ang="0">
+                <a:pos x="connsiteX14" y="connsiteY14"/>
+              </a:cxn>
+              <a:cxn ang="0">
+                <a:pos x="connsiteX15" y="connsiteY15"/>
+              </a:cxn>
+              <a:cxn ang="0">
+                <a:pos x="connsiteX16" y="connsiteY16"/>
+              </a:cxn>
+              <a:cxn ang="0">
+                <a:pos x="connsiteX17" y="connsiteY17"/>
+              </a:cxn>
+              <a:cxn ang="0">
+                <a:pos x="connsiteX18" y="connsiteY18"/>
+              </a:cxn>
+              <a:cxn ang="0">
+                <a:pos x="connsiteX19" y="connsiteY19"/>
+              </a:cxn>
+              <a:cxn ang="0">
+                <a:pos x="connsiteX20" y="connsiteY20"/>
+              </a:cxn>
+              <a:cxn ang="0">
+                <a:pos x="connsiteX21" y="connsiteY21"/>
+              </a:cxn>
+              <a:cxn ang="0">
+                <a:pos x="connsiteX22" y="connsiteY22"/>
+              </a:cxn>
+              <a:cxn ang="0">
+                <a:pos x="connsiteX23" y="connsiteY23"/>
+              </a:cxn>
+              <a:cxn ang="0">
+                <a:pos x="connsiteX24" y="connsiteY24"/>
+              </a:cxn>
+              <a:cxn ang="0">
+                <a:pos x="connsiteX25" y="connsiteY25"/>
+              </a:cxn>
+              <a:cxn ang="0">
+                <a:pos x="connsiteX26" y="connsiteY26"/>
+              </a:cxn>
+              <a:cxn ang="0">
+                <a:pos x="connsiteX27" y="connsiteY27"/>
+              </a:cxn>
+              <a:cxn ang="0">
+                <a:pos x="connsiteX28" y="connsiteY28"/>
+              </a:cxn>
+              <a:cxn ang="0">
+                <a:pos x="connsiteX29" y="connsiteY29"/>
+              </a:cxn>
+              <a:cxn ang="0">
+                <a:pos x="connsiteX30" y="connsiteY30"/>
+              </a:cxn>
+              <a:cxn ang="0">
+                <a:pos x="connsiteX31" y="connsiteY31"/>
+              </a:cxn>
+              <a:cxn ang="0">
+                <a:pos x="connsiteX32" y="connsiteY32"/>
+              </a:cxn>
+              <a:cxn ang="0">
+                <a:pos x="connsiteX33" y="connsiteY33"/>
+              </a:cxn>
+              <a:cxn ang="0">
+                <a:pos x="connsiteX34" y="connsiteY34"/>
+              </a:cxn>
+              <a:cxn ang="0">
+                <a:pos x="connsiteX35" y="connsiteY35"/>
+              </a:cxn>
+              <a:cxn ang="0">
+                <a:pos x="connsiteX36" y="connsiteY36"/>
+              </a:cxn>
+            </a:cxnLst>
+            <a:rect l="l" t="t" r="r" b="b"/>
+            <a:pathLst>
+              <a:path w="3472060" h="825932">
+                <a:moveTo>
+                  <a:pt x="3470310" y="0"/>
+                </a:moveTo>
+                <a:lnTo>
+                  <a:pt x="3472060" y="12850"/>
+                </a:lnTo>
+                <a:lnTo>
+                  <a:pt x="3472060" y="480529"/>
+                </a:lnTo>
+                <a:lnTo>
+                  <a:pt x="3363699" y="498471"/>
+                </a:lnTo>
+                <a:cubicBezTo>
+                  <a:pt x="2435623" y="645518"/>
+                  <a:pt x="603076" y="844866"/>
+                  <a:pt x="42060" y="824486"/>
+                </a:cubicBezTo>
+                <a:cubicBezTo>
+                  <a:pt x="28151" y="802425"/>
+                  <a:pt x="13909" y="780513"/>
+                  <a:pt x="0" y="758452"/>
+                </a:cubicBezTo>
+                <a:lnTo>
+                  <a:pt x="188014" y="735602"/>
+                </a:lnTo>
+                <a:lnTo>
+                  <a:pt x="284087" y="722590"/>
+                </a:lnTo>
+                <a:lnTo>
+                  <a:pt x="382288" y="709392"/>
+                </a:lnTo>
+                <a:lnTo>
+                  <a:pt x="481858" y="695774"/>
+                </a:lnTo>
+                <a:lnTo>
+                  <a:pt x="581897" y="680711"/>
+                </a:lnTo>
+                <a:lnTo>
+                  <a:pt x="683670" y="665256"/>
+                </a:lnTo>
+                <a:lnTo>
+                  <a:pt x="787206" y="649587"/>
+                </a:lnTo>
+                <a:lnTo>
+                  <a:pt x="892019" y="632968"/>
+                </a:lnTo>
+                <a:lnTo>
+                  <a:pt x="997620" y="614667"/>
+                </a:lnTo>
+                <a:lnTo>
+                  <a:pt x="1104727" y="596741"/>
+                </a:lnTo>
+                <a:lnTo>
+                  <a:pt x="1212669" y="577397"/>
+                </a:lnTo>
+                <a:lnTo>
+                  <a:pt x="1321506" y="556988"/>
+                </a:lnTo>
+                <a:lnTo>
+                  <a:pt x="1430709" y="536607"/>
+                </a:lnTo>
+                <a:lnTo>
+                  <a:pt x="1541050" y="514481"/>
+                </a:lnTo>
+                <a:lnTo>
+                  <a:pt x="1652805" y="492202"/>
+                </a:lnTo>
+                <a:lnTo>
+                  <a:pt x="1763708" y="469161"/>
+                </a:lnTo>
+                <a:lnTo>
+                  <a:pt x="1875795" y="444641"/>
+                </a:lnTo>
+                <a:lnTo>
+                  <a:pt x="1989128" y="418995"/>
+                </a:lnTo>
+                <a:lnTo>
+                  <a:pt x="2102476" y="393438"/>
+                </a:lnTo>
+                <a:lnTo>
+                  <a:pt x="2215549" y="366291"/>
+                </a:lnTo>
+                <a:lnTo>
+                  <a:pt x="2330490" y="337455"/>
+                </a:lnTo>
+                <a:lnTo>
+                  <a:pt x="2443333" y="308983"/>
+                </a:lnTo>
+                <a:lnTo>
+                  <a:pt x="2558014" y="278646"/>
+                </a:lnTo>
+                <a:lnTo>
+                  <a:pt x="2673621" y="247421"/>
+                </a:lnTo>
+                <a:lnTo>
+                  <a:pt x="2787008" y="215853"/>
+                </a:lnTo>
+                <a:lnTo>
+                  <a:pt x="2901442" y="182011"/>
+                </a:lnTo>
+                <a:lnTo>
+                  <a:pt x="3015722" y="147286"/>
+                </a:lnTo>
+                <a:lnTo>
+                  <a:pt x="3130018" y="112649"/>
+                </a:lnTo>
+                <a:lnTo>
+                  <a:pt x="3243551" y="75688"/>
+                </a:lnTo>
+                <a:lnTo>
+                  <a:pt x="3356992" y="38197"/>
+                </a:lnTo>
+                <a:lnTo>
+                  <a:pt x="3470310" y="0"/>
+                </a:lnTo>
+                <a:close/>
+              </a:path>
+            </a:pathLst>
+          </a:custGeom>
+          <a:solidFill>
+            <a:schemeClr val="bg2">
+              <a:alpha val="20000"/>
+            </a:schemeClr>
+          </a:solidFill>
+          <a:ln>
+            <a:noFill/>
+          </a:ln>
+        </p:spPr>
+        <p:txBody>
+          <a:bodyPr rtlCol="0" anchor="ctr"/>
+          <a:lstStyle/>
+          <a:p>
+            <a:pPr algn="ctr"/>
+            <a:endParaRPr lang="en-US">
+              <a:solidFill>
+                <a:schemeClr val="tx1"/>
+              </a:solidFill>
+            </a:endParaRPr>
+          </a:p>
+        </p:txBody>
+      </p:sp>
       <p:pic>
         <p:nvPicPr>
-          <p:cNvPr id="6" name="Content Placeholder 5" descr="A screenshot of a cell phone&#10;&#10;Description automatically generated">
+          <p:cNvPr id="7" name="Content Placeholder 5" descr="A screenshot of a cell phone&#10;&#10;Description automatically generated">
             <a:extLst>
               <a:ext uri="{FF2B5EF4-FFF2-40B4-BE49-F238E27FC236}">
-                <a16:creationId xmlns:a16="http://schemas.microsoft.com/office/drawing/2014/main" id="{0483817A-7949-4D68-8D6D-0085DCC86BAC}"/>
+                <a16:creationId xmlns:a16="http://schemas.microsoft.com/office/drawing/2014/main" id="{3508A1EB-39ED-4697-8478-6BBA6BAFF4F0}"/>
               </a:ext>
             </a:extLst>
           </p:cNvPr>
@@ -16839,8 +16426,280 @@
         </p:blipFill>
         <p:spPr>
           <a:xfrm>
-            <a:off x="643854" y="1071448"/>
-            <a:ext cx="6270662" cy="4714638"/>
+            <a:off x="5290498" y="636083"/>
+            <a:ext cx="4378286" cy="3291844"/>
+          </a:xfrm>
+          <a:prstGeom prst="rect">
+            <a:avLst/>
+          </a:prstGeom>
+          <a:effectLst/>
+        </p:spPr>
+      </p:pic>
+      <p:sp useBgFill="1">
+        <p:nvSpPr>
+          <p:cNvPr id="30" name="Freeform 5">
+            <a:extLst>
+              <a:ext uri="{FF2B5EF4-FFF2-40B4-BE49-F238E27FC236}">
+                <a16:creationId xmlns:a16="http://schemas.microsoft.com/office/drawing/2014/main" id="{4BA7EBCC-256E-4075-A58C-6ED2BFD5C99E}"/>
+              </a:ext>
+              <a:ext uri="{C183D7F6-B498-43B3-948B-1728B52AA6E4}">
+                <adec:decorative xmlns:adec="http://schemas.microsoft.com/office/drawing/2017/decorative" val="1"/>
+              </a:ext>
+            </a:extLst>
+          </p:cNvPr>
+          <p:cNvSpPr>
+            <a:spLocks noGrp="1" noRot="1" noChangeAspect="1" noMove="1" noResize="1" noEditPoints="1" noAdjustHandles="1" noChangeArrowheads="1" noChangeShapeType="1" noTextEdit="1"/>
+          </p:cNvSpPr>
+          <p:nvPr>
+            <p:extLst>
+              <p:ext uri="{386F3935-93C4-4BCD-93E2-E3B085C9AB24}">
+                <p16:designElem xmlns:p16="http://schemas.microsoft.com/office/powerpoint/2015/main" val="1"/>
+              </p:ext>
+            </p:extLst>
+          </p:nvPr>
+        </p:nvSpPr>
+        <p:spPr bwMode="gray">
+          <a:xfrm>
+            <a:off x="1" y="4055532"/>
+            <a:ext cx="12191695" cy="2802467"/>
+          </a:xfrm>
+          <a:custGeom>
+            <a:avLst/>
+            <a:gdLst/>
+            <a:ahLst/>
+            <a:cxnLst/>
+            <a:rect l="l" t="t" r="r" b="b"/>
+            <a:pathLst>
+              <a:path w="10000" h="8000">
+                <a:moveTo>
+                  <a:pt x="0" y="0"/>
+                </a:moveTo>
+                <a:lnTo>
+                  <a:pt x="0" y="7970"/>
+                </a:lnTo>
+                <a:lnTo>
+                  <a:pt x="10000" y="8000"/>
+                </a:lnTo>
+                <a:lnTo>
+                  <a:pt x="10000" y="7"/>
+                </a:lnTo>
+                <a:lnTo>
+                  <a:pt x="10000" y="7"/>
+                </a:lnTo>
+                <a:lnTo>
+                  <a:pt x="9773" y="156"/>
+                </a:lnTo>
+                <a:lnTo>
+                  <a:pt x="9547" y="298"/>
+                </a:lnTo>
+                <a:lnTo>
+                  <a:pt x="9320" y="437"/>
+                </a:lnTo>
+                <a:lnTo>
+                  <a:pt x="9092" y="556"/>
+                </a:lnTo>
+                <a:lnTo>
+                  <a:pt x="8865" y="676"/>
+                </a:lnTo>
+                <a:lnTo>
+                  <a:pt x="8637" y="788"/>
+                </a:lnTo>
+                <a:lnTo>
+                  <a:pt x="8412" y="884"/>
+                </a:lnTo>
+                <a:lnTo>
+                  <a:pt x="8184" y="975"/>
+                </a:lnTo>
+                <a:lnTo>
+                  <a:pt x="7957" y="1058"/>
+                </a:lnTo>
+                <a:lnTo>
+                  <a:pt x="7734" y="1130"/>
+                </a:lnTo>
+                <a:lnTo>
+                  <a:pt x="7508" y="1202"/>
+                </a:lnTo>
+                <a:lnTo>
+                  <a:pt x="7285" y="1262"/>
+                </a:lnTo>
+                <a:lnTo>
+                  <a:pt x="7062" y="1309"/>
+                </a:lnTo>
+                <a:lnTo>
+                  <a:pt x="6840" y="1358"/>
+                </a:lnTo>
+                <a:lnTo>
+                  <a:pt x="6620" y="1399"/>
+                </a:lnTo>
+                <a:lnTo>
+                  <a:pt x="6402" y="1428"/>
+                </a:lnTo>
+                <a:lnTo>
+                  <a:pt x="6184" y="1453"/>
+                </a:lnTo>
+                <a:lnTo>
+                  <a:pt x="5968" y="1477"/>
+                </a:lnTo>
+                <a:lnTo>
+                  <a:pt x="5755" y="1488"/>
+                </a:lnTo>
+                <a:lnTo>
+                  <a:pt x="5542" y="1500"/>
+                </a:lnTo>
+                <a:lnTo>
+                  <a:pt x="5332" y="1506"/>
+                </a:lnTo>
+                <a:lnTo>
+                  <a:pt x="5124" y="1500"/>
+                </a:lnTo>
+                <a:lnTo>
+                  <a:pt x="4918" y="1500"/>
+                </a:lnTo>
+                <a:lnTo>
+                  <a:pt x="4714" y="1488"/>
+                </a:lnTo>
+                <a:lnTo>
+                  <a:pt x="4514" y="1470"/>
+                </a:lnTo>
+                <a:lnTo>
+                  <a:pt x="4316" y="1453"/>
+                </a:lnTo>
+                <a:lnTo>
+                  <a:pt x="4122" y="1434"/>
+                </a:lnTo>
+                <a:lnTo>
+                  <a:pt x="3929" y="1405"/>
+                </a:lnTo>
+                <a:lnTo>
+                  <a:pt x="3739" y="1374"/>
+                </a:lnTo>
+                <a:lnTo>
+                  <a:pt x="3553" y="1346"/>
+                </a:lnTo>
+                <a:lnTo>
+                  <a:pt x="3190" y="1267"/>
+                </a:lnTo>
+                <a:lnTo>
+                  <a:pt x="2842" y="1183"/>
+                </a:lnTo>
+                <a:lnTo>
+                  <a:pt x="2508" y="1095"/>
+                </a:lnTo>
+                <a:lnTo>
+                  <a:pt x="2192" y="998"/>
+                </a:lnTo>
+                <a:lnTo>
+                  <a:pt x="1890" y="897"/>
+                </a:lnTo>
+                <a:lnTo>
+                  <a:pt x="1610" y="788"/>
+                </a:lnTo>
+                <a:lnTo>
+                  <a:pt x="1347" y="681"/>
+                </a:lnTo>
+                <a:lnTo>
+                  <a:pt x="1105" y="574"/>
+                </a:lnTo>
+                <a:lnTo>
+                  <a:pt x="883" y="473"/>
+                </a:lnTo>
+                <a:lnTo>
+                  <a:pt x="686" y="377"/>
+                </a:lnTo>
+                <a:lnTo>
+                  <a:pt x="508" y="286"/>
+                </a:lnTo>
+                <a:lnTo>
+                  <a:pt x="358" y="210"/>
+                </a:lnTo>
+                <a:lnTo>
+                  <a:pt x="232" y="138"/>
+                </a:lnTo>
+                <a:lnTo>
+                  <a:pt x="59" y="35"/>
+                </a:lnTo>
+                <a:lnTo>
+                  <a:pt x="0" y="0"/>
+                </a:lnTo>
+                <a:lnTo>
+                  <a:pt x="0" y="0"/>
+                </a:lnTo>
+                <a:close/>
+              </a:path>
+            </a:pathLst>
+          </a:custGeom>
+          <a:ln>
+            <a:noFill/>
+          </a:ln>
+        </p:spPr>
+      </p:sp>
+      <p:sp>
+        <p:nvSpPr>
+          <p:cNvPr id="2" name="Title 1">
+            <a:extLst>
+              <a:ext uri="{FF2B5EF4-FFF2-40B4-BE49-F238E27FC236}">
+                <a16:creationId xmlns:a16="http://schemas.microsoft.com/office/drawing/2014/main" id="{CCC9FFEB-E389-4C82-820C-AF3F8032168F}"/>
+              </a:ext>
+            </a:extLst>
+          </p:cNvPr>
+          <p:cNvSpPr>
+            <a:spLocks noGrp="1"/>
+          </p:cNvSpPr>
+          <p:nvPr>
+            <p:ph type="title"/>
+          </p:nvPr>
+        </p:nvSpPr>
+        <p:spPr>
+          <a:xfrm>
+            <a:off x="635458" y="4854344"/>
+            <a:ext cx="9345155" cy="861802"/>
+          </a:xfrm>
+        </p:spPr>
+        <p:txBody>
+          <a:bodyPr vert="horz" lIns="91440" tIns="45720" rIns="91440" bIns="45720" rtlCol="0" anchor="b">
+            <a:normAutofit/>
+          </a:bodyPr>
+          <a:lstStyle/>
+          <a:p>
+            <a:r>
+              <a:rPr lang="en-US" sz="4800"/>
+              <a:t>Balsamiq Wireframes</a:t>
+            </a:r>
+          </a:p>
+        </p:txBody>
+      </p:sp>
+      <p:pic>
+        <p:nvPicPr>
+          <p:cNvPr id="6" name="Content Placeholder 5" descr="A screenshot of a cell phone&#10;&#10;Description automatically generated">
+            <a:extLst>
+              <a:ext uri="{FF2B5EF4-FFF2-40B4-BE49-F238E27FC236}">
+                <a16:creationId xmlns:a16="http://schemas.microsoft.com/office/drawing/2014/main" id="{DC0AE682-83B1-40AA-80A5-B84FAAFBB710}"/>
+              </a:ext>
+            </a:extLst>
+          </p:cNvPr>
+          <p:cNvPicPr>
+            <a:picLocks noGrp="1" noChangeAspect="1"/>
+          </p:cNvPicPr>
+          <p:nvPr>
+            <p:ph sz="half" idx="1"/>
+          </p:nvPr>
+        </p:nvPicPr>
+        <p:blipFill>
+          <a:blip r:embed="rId8">
+            <a:extLst>
+              <a:ext uri="{28A0092B-C50C-407E-A947-70E740481C1C}">
+                <a14:useLocalDpi xmlns:a14="http://schemas.microsoft.com/office/drawing/2010/main" val="0"/>
+              </a:ext>
+            </a:extLst>
+          </a:blip>
+          <a:stretch>
+            <a:fillRect/>
+          </a:stretch>
+        </p:blipFill>
+        <p:spPr>
+          <a:xfrm>
+            <a:off x="643855" y="636083"/>
+            <a:ext cx="3698701" cy="3291844"/>
           </a:xfrm>
           <a:prstGeom prst="rect">
             <a:avLst/>
@@ -16851,12 +16710,12 @@
     </p:spTree>
     <p:extLst>
       <p:ext uri="{BB962C8B-B14F-4D97-AF65-F5344CB8AC3E}">
-        <p14:creationId xmlns:p14="http://schemas.microsoft.com/office/powerpoint/2010/main" val="373770894"/>
+        <p14:creationId xmlns:p14="http://schemas.microsoft.com/office/powerpoint/2010/main" val="3385100242"/>
       </p:ext>
     </p:extLst>
   </p:cSld>
   <p:clrMapOvr>
-    <a:overrideClrMapping bg1="lt1" tx1="dk1" bg2="lt2" tx2="dk2" accent1="accent1" accent2="accent2" accent3="accent3" accent4="accent4" accent5="accent5" accent6="accent6" hlink="hlink" folHlink="folHlink"/>
+    <a:masterClrMapping/>
   </p:clrMapOvr>
 </p:sld>
 </file>
@@ -22650,7 +22509,7 @@
     <p:bg>
       <p:bgPr>
         <a:blipFill rotWithShape="1">
-          <a:blip r:embed="rId2">
+          <a:blip r:embed="rId3">
             <a:duotone>
               <a:schemeClr val="bg2">
                 <a:shade val="69000"/>
@@ -22709,7 +22568,7 @@
           </p:nvPr>
         </p:nvPicPr>
         <p:blipFill rotWithShape="1">
-          <a:blip r:embed="rId3">
+          <a:blip r:embed="rId4">
             <a:extLst>
               <a:ext uri="{28A0092B-C50C-407E-A947-70E740481C1C}">
                 <a14:useLocalDpi xmlns:a14="http://schemas.microsoft.com/office/drawing/2010/main" val="0"/>
@@ -22753,7 +22612,7 @@
           </p:nvPr>
         </p:nvPicPr>
         <p:blipFill rotWithShape="1">
-          <a:blip r:embed="rId4">
+          <a:blip r:embed="rId5">
             <a:extLst>
               <a:ext uri="{28A0092B-C50C-407E-A947-70E740481C1C}">
                 <a14:useLocalDpi xmlns:a14="http://schemas.microsoft.com/office/drawing/2010/main" val="0"/>
@@ -22877,7 +22736,7 @@
           </p:nvPr>
         </p:nvPicPr>
         <p:blipFill rotWithShape="1">
-          <a:blip r:embed="rId5">
+          <a:blip r:embed="rId6">
             <a:extLst>
               <a:ext uri="{28A0092B-C50C-407E-A947-70E740481C1C}">
                 <a14:useLocalDpi xmlns:a14="http://schemas.microsoft.com/office/drawing/2010/main" val="0"/>
@@ -22921,7 +22780,7 @@
           </p:nvPr>
         </p:nvPicPr>
         <p:blipFill rotWithShape="1">
-          <a:blip r:embed="rId6">
+          <a:blip r:embed="rId7">
             <a:extLst>
               <a:ext uri="{28A0092B-C50C-407E-A947-70E740481C1C}">
                 <a14:useLocalDpi xmlns:a14="http://schemas.microsoft.com/office/drawing/2010/main" val="0"/>
